--- a/Project3Presentation.pptx
+++ b/Project3Presentation.pptx
@@ -10,13 +10,13 @@
     <p:sldId id="258" r:id="rId4"/>
     <p:sldId id="259" r:id="rId5"/>
     <p:sldId id="260" r:id="rId6"/>
-    <p:sldId id="261" r:id="rId7"/>
-    <p:sldId id="262" r:id="rId8"/>
-    <p:sldId id="269" r:id="rId9"/>
-    <p:sldId id="263" r:id="rId10"/>
-    <p:sldId id="264" r:id="rId11"/>
-    <p:sldId id="265" r:id="rId12"/>
-    <p:sldId id="267" r:id="rId13"/>
+    <p:sldId id="267" r:id="rId7"/>
+    <p:sldId id="261" r:id="rId8"/>
+    <p:sldId id="262" r:id="rId9"/>
+    <p:sldId id="269" r:id="rId10"/>
+    <p:sldId id="263" r:id="rId11"/>
+    <p:sldId id="264" r:id="rId12"/>
+    <p:sldId id="265" r:id="rId13"/>
     <p:sldId id="266" r:id="rId14"/>
   </p:sldIdLst>
   <p:sldSz cx="12192000" cy="6858000"/>
@@ -4699,33 +4699,30 @@
           <a:p>
             <a:r>
               <a:rPr lang="en-US" dirty="0"/>
-              <a:t>Stage 5 – User Engagement</a:t>
+              <a:t>Stage 4 – Model Prediction</a:t>
             </a:r>
           </a:p>
           <a:p>
             <a:pPr lvl="1"/>
             <a:r>
               <a:rPr lang="en-US" dirty="0"/>
-              <a:t>Develop webpage for users to explore model results using HTML/CSS</a:t>
+              <a:t>Make predictions based on test data set</a:t>
             </a:r>
           </a:p>
           <a:p>
             <a:pPr lvl="1"/>
             <a:r>
               <a:rPr lang="en-US" dirty="0"/>
-              <a:t>Pipe data between front end and back end leveraging Flask App</a:t>
-            </a:r>
-          </a:p>
-          <a:p>
-            <a:pPr lvl="1"/>
+              <a:t>Store predictions in </a:t>
+            </a:r>
+            <a:r>
+              <a:rPr lang="en-US" dirty="0" err="1"/>
+              <a:t>PostGre</a:t>
+            </a:r>
             <a:r>
               <a:rPr lang="en-US" dirty="0"/>
-              <a:t>Create dynamic user experience using JavaScript </a:t>
-            </a:r>
-          </a:p>
-          <a:p>
-            <a:pPr lvl="1"/>
-            <a:endParaRPr lang="en-US" dirty="0"/>
+              <a:t> SQL database</a:t>
+            </a:r>
           </a:p>
           <a:p>
             <a:pPr lvl="1"/>
@@ -4738,7 +4735,7 @@
           <p:cNvPr id="5" name="Picture 4" descr="A screenshot of a social media post&#10;&#10;Description automatically generated">
             <a:extLst>
               <a:ext uri="{FF2B5EF4-FFF2-40B4-BE49-F238E27FC236}">
-                <a16:creationId xmlns:a16="http://schemas.microsoft.com/office/drawing/2014/main" id="{6E876BBC-0A76-49D5-B3A4-EE750FD38393}"/>
+                <a16:creationId xmlns:a16="http://schemas.microsoft.com/office/drawing/2014/main" id="{7D495DB5-AA72-4745-8A2F-F25908721908}"/>
               </a:ext>
             </a:extLst>
           </p:cNvPr>
@@ -4761,8 +4758,8 @@
         </p:blipFill>
         <p:spPr>
           <a:xfrm>
-            <a:off x="3930557" y="3761613"/>
-            <a:ext cx="5579203" cy="2772947"/>
+            <a:off x="3356494" y="3222951"/>
+            <a:ext cx="6440649" cy="3538462"/>
           </a:xfrm>
           <a:prstGeom prst="rect">
             <a:avLst/>
@@ -4774,7 +4771,7 @@
           <p:cNvPr id="4" name="TextBox 3">
             <a:extLst>
               <a:ext uri="{FF2B5EF4-FFF2-40B4-BE49-F238E27FC236}">
-                <a16:creationId xmlns:a16="http://schemas.microsoft.com/office/drawing/2014/main" id="{3411DBA5-078E-4E3B-9980-C7E362A4ED3C}"/>
+                <a16:creationId xmlns:a16="http://schemas.microsoft.com/office/drawing/2014/main" id="{52C5F56E-B445-42EE-9EAC-A0FC8C5E52CA}"/>
               </a:ext>
             </a:extLst>
           </p:cNvPr>
@@ -4808,7 +4805,7 @@
     </p:spTree>
     <p:extLst>
       <p:ext uri="{BB962C8B-B14F-4D97-AF65-F5344CB8AC3E}">
-        <p14:creationId xmlns:p14="http://schemas.microsoft.com/office/powerpoint/2010/main" val="3435073343"/>
+        <p14:creationId xmlns:p14="http://schemas.microsoft.com/office/powerpoint/2010/main" val="44018057"/>
       </p:ext>
     </p:extLst>
   </p:cSld>
@@ -4845,6 +4842,456 @@
       </p:grpSpPr>
       <p:sp useBgFill="1">
         <p:nvSpPr>
+          <p:cNvPr id="8" name="Rectangle 7">
+            <a:extLst>
+              <a:ext uri="{FF2B5EF4-FFF2-40B4-BE49-F238E27FC236}">
+                <a16:creationId xmlns:a16="http://schemas.microsoft.com/office/drawing/2014/main" id="{1BB867FF-FC45-48F7-8104-F89BE54909F1}"/>
+              </a:ext>
+              <a:ext uri="{C183D7F6-B498-43B3-948B-1728B52AA6E4}">
+                <adec:decorative xmlns:adec="http://schemas.microsoft.com/office/drawing/2017/decorative" val="1"/>
+              </a:ext>
+            </a:extLst>
+          </p:cNvPr>
+          <p:cNvSpPr>
+            <a:spLocks noGrp="1" noRot="1" noChangeAspect="1" noMove="1" noResize="1" noEditPoints="1" noAdjustHandles="1" noChangeArrowheads="1" noChangeShapeType="1" noTextEdit="1"/>
+          </p:cNvSpPr>
+          <p:nvPr>
+            <p:extLst>
+              <p:ext uri="{386F3935-93C4-4BCD-93E2-E3B085C9AB24}">
+                <p16:designElem xmlns:p16="http://schemas.microsoft.com/office/powerpoint/2015/main" val="1"/>
+              </p:ext>
+            </p:extLst>
+          </p:nvPr>
+        </p:nvSpPr>
+        <p:spPr>
+          <a:xfrm>
+            <a:off x="3048" y="0"/>
+            <a:ext cx="12188952" cy="6858000"/>
+          </a:xfrm>
+          <a:prstGeom prst="rect">
+            <a:avLst/>
+          </a:prstGeom>
+          <a:ln>
+            <a:noFill/>
+          </a:ln>
+        </p:spPr>
+        <p:style>
+          <a:lnRef idx="2">
+            <a:schemeClr val="accent1">
+              <a:shade val="50000"/>
+            </a:schemeClr>
+          </a:lnRef>
+          <a:fillRef idx="1">
+            <a:schemeClr val="accent1"/>
+          </a:fillRef>
+          <a:effectRef idx="0">
+            <a:schemeClr val="accent1"/>
+          </a:effectRef>
+          <a:fontRef idx="minor">
+            <a:schemeClr val="lt1"/>
+          </a:fontRef>
+        </p:style>
+        <p:txBody>
+          <a:bodyPr rtlCol="0" anchor="ctr"/>
+          <a:lstStyle/>
+          <a:p>
+            <a:pPr algn="ctr"/>
+            <a:endParaRPr lang="en-US"/>
+          </a:p>
+        </p:txBody>
+      </p:sp>
+      <p:sp>
+        <p:nvSpPr>
+          <p:cNvPr id="10" name="Freeform: Shape 9">
+            <a:extLst>
+              <a:ext uri="{FF2B5EF4-FFF2-40B4-BE49-F238E27FC236}">
+                <a16:creationId xmlns:a16="http://schemas.microsoft.com/office/drawing/2014/main" id="{8BB56887-D0D5-4F0C-9E19-7247EB83C8B7}"/>
+              </a:ext>
+              <a:ext uri="{C183D7F6-B498-43B3-948B-1728B52AA6E4}">
+                <adec:decorative xmlns:adec="http://schemas.microsoft.com/office/drawing/2017/decorative" val="1"/>
+              </a:ext>
+            </a:extLst>
+          </p:cNvPr>
+          <p:cNvSpPr>
+            <a:spLocks noGrp="1" noRot="1" noChangeAspect="1" noMove="1" noResize="1" noEditPoints="1" noAdjustHandles="1" noChangeArrowheads="1" noChangeShapeType="1" noTextEdit="1"/>
+          </p:cNvSpPr>
+          <p:nvPr>
+            <p:extLst>
+              <p:ext uri="{386F3935-93C4-4BCD-93E2-E3B085C9AB24}">
+                <p16:designElem xmlns:p16="http://schemas.microsoft.com/office/powerpoint/2015/main" val="1"/>
+              </p:ext>
+            </p:extLst>
+          </p:nvPr>
+        </p:nvSpPr>
+        <p:spPr>
+          <a:xfrm>
+            <a:off x="10208695" y="1"/>
+            <a:ext cx="1135066" cy="477997"/>
+          </a:xfrm>
+          <a:custGeom>
+            <a:avLst/>
+            <a:gdLst>
+              <a:gd name="connsiteX0" fmla="*/ 0 w 1135066"/>
+              <a:gd name="connsiteY0" fmla="*/ 0 h 477997"/>
+              <a:gd name="connsiteX1" fmla="*/ 1135066 w 1135066"/>
+              <a:gd name="connsiteY1" fmla="*/ 0 h 477997"/>
+              <a:gd name="connsiteX2" fmla="*/ 1133370 w 1135066"/>
+              <a:gd name="connsiteY2" fmla="*/ 16827 h 477997"/>
+              <a:gd name="connsiteX3" fmla="*/ 567533 w 1135066"/>
+              <a:gd name="connsiteY3" fmla="*/ 477997 h 477997"/>
+              <a:gd name="connsiteX4" fmla="*/ 1696 w 1135066"/>
+              <a:gd name="connsiteY4" fmla="*/ 16827 h 477997"/>
+            </a:gdLst>
+            <a:ahLst/>
+            <a:cxnLst>
+              <a:cxn ang="0">
+                <a:pos x="connsiteX0" y="connsiteY0"/>
+              </a:cxn>
+              <a:cxn ang="0">
+                <a:pos x="connsiteX1" y="connsiteY1"/>
+              </a:cxn>
+              <a:cxn ang="0">
+                <a:pos x="connsiteX2" y="connsiteY2"/>
+              </a:cxn>
+              <a:cxn ang="0">
+                <a:pos x="connsiteX3" y="connsiteY3"/>
+              </a:cxn>
+              <a:cxn ang="0">
+                <a:pos x="connsiteX4" y="connsiteY4"/>
+              </a:cxn>
+            </a:cxnLst>
+            <a:rect l="l" t="t" r="r" b="b"/>
+            <a:pathLst>
+              <a:path w="1135066" h="477997">
+                <a:moveTo>
+                  <a:pt x="0" y="0"/>
+                </a:moveTo>
+                <a:lnTo>
+                  <a:pt x="1135066" y="0"/>
+                </a:lnTo>
+                <a:lnTo>
+                  <a:pt x="1133370" y="16827"/>
+                </a:lnTo>
+                <a:cubicBezTo>
+                  <a:pt x="1079514" y="280016"/>
+                  <a:pt x="846644" y="477997"/>
+                  <a:pt x="567533" y="477997"/>
+                </a:cubicBezTo>
+                <a:cubicBezTo>
+                  <a:pt x="288422" y="477997"/>
+                  <a:pt x="55552" y="280016"/>
+                  <a:pt x="1696" y="16827"/>
+                </a:cubicBezTo>
+                <a:close/>
+              </a:path>
+            </a:pathLst>
+          </a:custGeom>
+          <a:solidFill>
+            <a:schemeClr val="accent4"/>
+          </a:solidFill>
+          <a:ln>
+            <a:noFill/>
+          </a:ln>
+        </p:spPr>
+        <p:style>
+          <a:lnRef idx="2">
+            <a:schemeClr val="accent1">
+              <a:shade val="50000"/>
+            </a:schemeClr>
+          </a:lnRef>
+          <a:fillRef idx="1">
+            <a:schemeClr val="accent1"/>
+          </a:fillRef>
+          <a:effectRef idx="0">
+            <a:schemeClr val="accent1"/>
+          </a:effectRef>
+          <a:fontRef idx="minor">
+            <a:schemeClr val="lt1"/>
+          </a:fontRef>
+        </p:style>
+        <p:txBody>
+          <a:bodyPr wrap="square" rtlCol="0" anchor="ctr">
+            <a:noAutofit/>
+          </a:bodyPr>
+          <a:lstStyle/>
+          <a:p>
+            <a:pPr algn="ctr"/>
+            <a:endParaRPr lang="en-US"/>
+          </a:p>
+        </p:txBody>
+      </p:sp>
+      <p:sp>
+        <p:nvSpPr>
+          <p:cNvPr id="2" name="Title 1">
+            <a:extLst>
+              <a:ext uri="{FF2B5EF4-FFF2-40B4-BE49-F238E27FC236}">
+                <a16:creationId xmlns:a16="http://schemas.microsoft.com/office/drawing/2014/main" id="{749C9F22-6D45-4089-9777-B1E1AC655C89}"/>
+              </a:ext>
+            </a:extLst>
+          </p:cNvPr>
+          <p:cNvSpPr>
+            <a:spLocks noGrp="1"/>
+          </p:cNvSpPr>
+          <p:nvPr>
+            <p:ph type="title"/>
+          </p:nvPr>
+        </p:nvSpPr>
+        <p:spPr>
+          <a:xfrm>
+            <a:off x="838200" y="365125"/>
+            <a:ext cx="10515600" cy="1325563"/>
+          </a:xfrm>
+        </p:spPr>
+        <p:txBody>
+          <a:bodyPr>
+            <a:normAutofit/>
+          </a:bodyPr>
+          <a:lstStyle/>
+          <a:p>
+            <a:r>
+              <a:rPr lang="en-US" dirty="0"/>
+              <a:t>The Approach</a:t>
+            </a:r>
+          </a:p>
+        </p:txBody>
+      </p:sp>
+      <p:sp>
+        <p:nvSpPr>
+          <p:cNvPr id="12" name="Arc 11">
+            <a:extLst>
+              <a:ext uri="{FF2B5EF4-FFF2-40B4-BE49-F238E27FC236}">
+                <a16:creationId xmlns:a16="http://schemas.microsoft.com/office/drawing/2014/main" id="{081E4A58-353D-44AE-B2FC-2A74E2E400F7}"/>
+              </a:ext>
+              <a:ext uri="{C183D7F6-B498-43B3-948B-1728B52AA6E4}">
+                <adec:decorative xmlns:adec="http://schemas.microsoft.com/office/drawing/2017/decorative" val="1"/>
+              </a:ext>
+            </a:extLst>
+          </p:cNvPr>
+          <p:cNvSpPr>
+            <a:spLocks noGrp="1" noRot="1" noChangeAspect="1" noMove="1" noResize="1" noEditPoints="1" noAdjustHandles="1" noChangeArrowheads="1" noChangeShapeType="1" noTextEdit="1"/>
+          </p:cNvSpPr>
+          <p:nvPr>
+            <p:extLst>
+              <p:ext uri="{386F3935-93C4-4BCD-93E2-E3B085C9AB24}">
+                <p16:designElem xmlns:p16="http://schemas.microsoft.com/office/powerpoint/2015/main" val="1"/>
+              </p:ext>
+            </p:extLst>
+          </p:nvPr>
+        </p:nvSpPr>
+        <p:spPr>
+          <a:xfrm rot="5400000" flipV="1">
+            <a:off x="555710" y="2183223"/>
+            <a:ext cx="4083433" cy="4083433"/>
+          </a:xfrm>
+          <a:prstGeom prst="arc">
+            <a:avLst/>
+          </a:prstGeom>
+          <a:ln w="127000" cap="rnd">
+            <a:solidFill>
+              <a:schemeClr val="accent4"/>
+            </a:solidFill>
+            <a:prstDash val="dash"/>
+          </a:ln>
+        </p:spPr>
+        <p:style>
+          <a:lnRef idx="1">
+            <a:schemeClr val="accent1"/>
+          </a:lnRef>
+          <a:fillRef idx="0">
+            <a:schemeClr val="accent1"/>
+          </a:fillRef>
+          <a:effectRef idx="0">
+            <a:schemeClr val="accent1"/>
+          </a:effectRef>
+          <a:fontRef idx="minor">
+            <a:schemeClr val="tx1"/>
+          </a:fontRef>
+        </p:style>
+        <p:txBody>
+          <a:bodyPr rtlCol="0" anchor="ctr"/>
+          <a:lstStyle/>
+          <a:p>
+            <a:pPr algn="ctr"/>
+            <a:endParaRPr lang="en-US" dirty="0"/>
+          </a:p>
+        </p:txBody>
+      </p:sp>
+      <p:sp>
+        <p:nvSpPr>
+          <p:cNvPr id="3" name="Content Placeholder 2">
+            <a:extLst>
+              <a:ext uri="{FF2B5EF4-FFF2-40B4-BE49-F238E27FC236}">
+                <a16:creationId xmlns:a16="http://schemas.microsoft.com/office/drawing/2014/main" id="{A5D60E94-C915-4171-941A-150943AD0704}"/>
+              </a:ext>
+            </a:extLst>
+          </p:cNvPr>
+          <p:cNvSpPr>
+            <a:spLocks noGrp="1"/>
+          </p:cNvSpPr>
+          <p:nvPr>
+            <p:ph idx="1"/>
+          </p:nvPr>
+        </p:nvSpPr>
+        <p:spPr>
+          <a:xfrm>
+            <a:off x="838200" y="1825625"/>
+            <a:ext cx="10515600" cy="4351338"/>
+          </a:xfrm>
+        </p:spPr>
+        <p:txBody>
+          <a:bodyPr>
+            <a:normAutofit/>
+          </a:bodyPr>
+          <a:lstStyle/>
+          <a:p>
+            <a:r>
+              <a:rPr lang="en-US" dirty="0"/>
+              <a:t>Stage 5 – User Engagement</a:t>
+            </a:r>
+          </a:p>
+          <a:p>
+            <a:pPr lvl="1"/>
+            <a:r>
+              <a:rPr lang="en-US" dirty="0"/>
+              <a:t>Develop webpage for users to explore model results using HTML/CSS</a:t>
+            </a:r>
+          </a:p>
+          <a:p>
+            <a:pPr lvl="1"/>
+            <a:r>
+              <a:rPr lang="en-US" dirty="0"/>
+              <a:t>Pipe data between front end and back end leveraging Flask App</a:t>
+            </a:r>
+          </a:p>
+          <a:p>
+            <a:pPr lvl="1"/>
+            <a:r>
+              <a:rPr lang="en-US" dirty="0"/>
+              <a:t>Create dynamic user experience using JavaScript </a:t>
+            </a:r>
+          </a:p>
+          <a:p>
+            <a:pPr lvl="1"/>
+            <a:endParaRPr lang="en-US" dirty="0"/>
+          </a:p>
+          <a:p>
+            <a:pPr lvl="1"/>
+            <a:endParaRPr lang="en-US" dirty="0"/>
+          </a:p>
+        </p:txBody>
+      </p:sp>
+      <p:pic>
+        <p:nvPicPr>
+          <p:cNvPr id="5" name="Picture 4" descr="A screenshot of a social media post&#10;&#10;Description automatically generated">
+            <a:extLst>
+              <a:ext uri="{FF2B5EF4-FFF2-40B4-BE49-F238E27FC236}">
+                <a16:creationId xmlns:a16="http://schemas.microsoft.com/office/drawing/2014/main" id="{6E876BBC-0A76-49D5-B3A4-EE750FD38393}"/>
+              </a:ext>
+            </a:extLst>
+          </p:cNvPr>
+          <p:cNvPicPr>
+            <a:picLocks noChangeAspect="1"/>
+          </p:cNvPicPr>
+          <p:nvPr/>
+        </p:nvPicPr>
+        <p:blipFill>
+          <a:blip r:embed="rId2">
+            <a:extLst>
+              <a:ext uri="{28A0092B-C50C-407E-A947-70E740481C1C}">
+                <a14:useLocalDpi xmlns:a14="http://schemas.microsoft.com/office/drawing/2010/main" val="0"/>
+              </a:ext>
+            </a:extLst>
+          </a:blip>
+          <a:stretch>
+            <a:fillRect/>
+          </a:stretch>
+        </p:blipFill>
+        <p:spPr>
+          <a:xfrm>
+            <a:off x="3930557" y="3761613"/>
+            <a:ext cx="5579203" cy="2772947"/>
+          </a:xfrm>
+          <a:prstGeom prst="rect">
+            <a:avLst/>
+          </a:prstGeom>
+        </p:spPr>
+      </p:pic>
+      <p:sp>
+        <p:nvSpPr>
+          <p:cNvPr id="4" name="TextBox 3">
+            <a:extLst>
+              <a:ext uri="{FF2B5EF4-FFF2-40B4-BE49-F238E27FC236}">
+                <a16:creationId xmlns:a16="http://schemas.microsoft.com/office/drawing/2014/main" id="{3411DBA5-078E-4E3B-9980-C7E362A4ED3C}"/>
+              </a:ext>
+            </a:extLst>
+          </p:cNvPr>
+          <p:cNvSpPr txBox="1"/>
+          <p:nvPr/>
+        </p:nvSpPr>
+        <p:spPr>
+          <a:xfrm>
+            <a:off x="10336218" y="6242324"/>
+            <a:ext cx="1852734" cy="369332"/>
+          </a:xfrm>
+          <a:prstGeom prst="rect">
+            <a:avLst/>
+          </a:prstGeom>
+          <a:noFill/>
+        </p:spPr>
+        <p:txBody>
+          <a:bodyPr wrap="square" rtlCol="0">
+            <a:spAutoFit/>
+          </a:bodyPr>
+          <a:lstStyle/>
+          <a:p>
+            <a:r>
+              <a:rPr lang="en-US" dirty="0" err="1"/>
+              <a:t>Sasmita</a:t>
+            </a:r>
+            <a:endParaRPr lang="en-US" dirty="0"/>
+          </a:p>
+        </p:txBody>
+      </p:sp>
+    </p:spTree>
+    <p:extLst>
+      <p:ext uri="{BB962C8B-B14F-4D97-AF65-F5344CB8AC3E}">
+        <p14:creationId xmlns:p14="http://schemas.microsoft.com/office/powerpoint/2010/main" val="3435073343"/>
+      </p:ext>
+    </p:extLst>
+  </p:cSld>
+  <p:clrMapOvr>
+    <a:masterClrMapping/>
+  </p:clrMapOvr>
+</p:sld>
+</file>
+
+<file path=ppt/slides/slide12.xml><?xml version="1.0" encoding="utf-8"?>
+<p:sld xmlns:a="http://schemas.openxmlformats.org/drawingml/2006/main" xmlns:r="http://schemas.openxmlformats.org/officeDocument/2006/relationships" xmlns:p="http://schemas.openxmlformats.org/presentationml/2006/main">
+  <p:cSld>
+    <p:bg>
+      <p:bgPr>
+        <a:solidFill>
+          <a:schemeClr val="bg1"/>
+        </a:solidFill>
+        <a:effectLst/>
+      </p:bgPr>
+    </p:bg>
+    <p:spTree>
+      <p:nvGrpSpPr>
+        <p:cNvPr id="1" name=""/>
+        <p:cNvGrpSpPr/>
+        <p:nvPr/>
+      </p:nvGrpSpPr>
+      <p:grpSpPr>
+        <a:xfrm>
+          <a:off x="0" y="0"/>
+          <a:ext cx="0" cy="0"/>
+          <a:chOff x="0" y="0"/>
+          <a:chExt cx="0" cy="0"/>
+        </a:xfrm>
+      </p:grpSpPr>
+      <p:sp useBgFill="1">
+        <p:nvSpPr>
           <p:cNvPr id="17" name="Rectangle 16">
             <a:extLst>
               <a:ext uri="{FF2B5EF4-FFF2-40B4-BE49-F238E27FC236}">
@@ -4995,12 +5442,12 @@
           <a:lstStyle/>
           <a:p>
             <a:r>
-              <a:rPr lang="en-US">
+              <a:rPr lang="en-US" dirty="0">
                 <a:solidFill>
                   <a:srgbClr val="FFFFFF"/>
                 </a:solidFill>
               </a:rPr>
-              <a:t>The Results</a:t>
+              <a:t>The Final Results</a:t>
             </a:r>
           </a:p>
         </p:txBody>
@@ -6076,8 +6523,127 @@
 </p:sld>
 </file>
 
-<file path=ppt/slides/slide12.xml><?xml version="1.0" encoding="utf-8"?>
-<p:sld xmlns:a="http://schemas.openxmlformats.org/drawingml/2006/main" xmlns:r="http://schemas.openxmlformats.org/officeDocument/2006/relationships" xmlns:p="http://schemas.openxmlformats.org/presentationml/2006/main" show="0">
+<file path=ppt/slides/slide13.xml><?xml version="1.0" encoding="utf-8"?>
+<p:sld xmlns:a="http://schemas.openxmlformats.org/drawingml/2006/main" xmlns:r="http://schemas.openxmlformats.org/officeDocument/2006/relationships" xmlns:p="http://schemas.openxmlformats.org/presentationml/2006/main">
+  <p:cSld>
+    <p:spTree>
+      <p:nvGrpSpPr>
+        <p:cNvPr id="1" name=""/>
+        <p:cNvGrpSpPr/>
+        <p:nvPr/>
+      </p:nvGrpSpPr>
+      <p:grpSpPr>
+        <a:xfrm>
+          <a:off x="0" y="0"/>
+          <a:ext cx="0" cy="0"/>
+          <a:chOff x="0" y="0"/>
+          <a:chExt cx="0" cy="0"/>
+        </a:xfrm>
+      </p:grpSpPr>
+      <p:sp>
+        <p:nvSpPr>
+          <p:cNvPr id="2" name="Title 1">
+            <a:extLst>
+              <a:ext uri="{FF2B5EF4-FFF2-40B4-BE49-F238E27FC236}">
+                <a16:creationId xmlns:a16="http://schemas.microsoft.com/office/drawing/2014/main" id="{98594551-0B75-4F50-A282-48583D022F6C}"/>
+              </a:ext>
+            </a:extLst>
+          </p:cNvPr>
+          <p:cNvSpPr>
+            <a:spLocks noGrp="1"/>
+          </p:cNvSpPr>
+          <p:nvPr>
+            <p:ph type="title"/>
+          </p:nvPr>
+        </p:nvSpPr>
+        <p:spPr/>
+        <p:txBody>
+          <a:bodyPr/>
+          <a:lstStyle/>
+          <a:p>
+            <a:r>
+              <a:rPr lang="en-US" dirty="0"/>
+              <a:t>Demonstration</a:t>
+            </a:r>
+          </a:p>
+        </p:txBody>
+      </p:sp>
+      <p:sp>
+        <p:nvSpPr>
+          <p:cNvPr id="3" name="Content Placeholder 2">
+            <a:extLst>
+              <a:ext uri="{FF2B5EF4-FFF2-40B4-BE49-F238E27FC236}">
+                <a16:creationId xmlns:a16="http://schemas.microsoft.com/office/drawing/2014/main" id="{CE1A8270-FFAB-4583-AD8D-63B3BBF01B82}"/>
+              </a:ext>
+            </a:extLst>
+          </p:cNvPr>
+          <p:cNvSpPr>
+            <a:spLocks noGrp="1"/>
+          </p:cNvSpPr>
+          <p:nvPr>
+            <p:ph idx="1"/>
+          </p:nvPr>
+        </p:nvSpPr>
+        <p:spPr/>
+        <p:txBody>
+          <a:bodyPr/>
+          <a:lstStyle/>
+          <a:p>
+            <a:endParaRPr lang="en-US"/>
+          </a:p>
+        </p:txBody>
+      </p:sp>
+      <p:sp>
+        <p:nvSpPr>
+          <p:cNvPr id="5" name="TextBox 4">
+            <a:extLst>
+              <a:ext uri="{FF2B5EF4-FFF2-40B4-BE49-F238E27FC236}">
+                <a16:creationId xmlns:a16="http://schemas.microsoft.com/office/drawing/2014/main" id="{E36E8A6D-747F-4B35-A288-DB44242E04C9}"/>
+              </a:ext>
+            </a:extLst>
+          </p:cNvPr>
+          <p:cNvSpPr txBox="1"/>
+          <p:nvPr/>
+        </p:nvSpPr>
+        <p:spPr>
+          <a:xfrm>
+            <a:off x="10336218" y="6242324"/>
+            <a:ext cx="1852734" cy="369332"/>
+          </a:xfrm>
+          <a:prstGeom prst="rect">
+            <a:avLst/>
+          </a:prstGeom>
+          <a:noFill/>
+        </p:spPr>
+        <p:txBody>
+          <a:bodyPr wrap="square" rtlCol="0">
+            <a:spAutoFit/>
+          </a:bodyPr>
+          <a:lstStyle/>
+          <a:p>
+            <a:r>
+              <a:rPr lang="en-US" dirty="0" err="1"/>
+              <a:t>Sasmita</a:t>
+            </a:r>
+            <a:endParaRPr lang="en-US" dirty="0"/>
+          </a:p>
+        </p:txBody>
+      </p:sp>
+    </p:spTree>
+    <p:extLst>
+      <p:ext uri="{BB962C8B-B14F-4D97-AF65-F5344CB8AC3E}">
+        <p14:creationId xmlns:p14="http://schemas.microsoft.com/office/powerpoint/2010/main" val="2972871799"/>
+      </p:ext>
+    </p:extLst>
+  </p:cSld>
+  <p:clrMapOvr>
+    <a:masterClrMapping/>
+  </p:clrMapOvr>
+</p:sld>
+</file>
+
+<file path=ppt/slides/slide2.xml><?xml version="1.0" encoding="utf-8"?>
+<p:sld xmlns:a="http://schemas.openxmlformats.org/drawingml/2006/main" xmlns:r="http://schemas.openxmlformats.org/officeDocument/2006/relationships" xmlns:p="http://schemas.openxmlformats.org/presentationml/2006/main">
   <p:cSld>
     <p:bg>
       <p:bgPr>
@@ -6103,10 +6669,10 @@
       </p:grpSpPr>
       <p:sp useBgFill="1">
         <p:nvSpPr>
-          <p:cNvPr id="8" name="Rectangle 7">
-            <a:extLst>
-              <a:ext uri="{FF2B5EF4-FFF2-40B4-BE49-F238E27FC236}">
-                <a16:creationId xmlns:a16="http://schemas.microsoft.com/office/drawing/2014/main" id="{F837543A-6020-4505-A233-C9DB4BF74011}"/>
+          <p:cNvPr id="34" name="Rectangle 33">
+            <a:extLst>
+              <a:ext uri="{FF2B5EF4-FFF2-40B4-BE49-F238E27FC236}">
+                <a16:creationId xmlns:a16="http://schemas.microsoft.com/office/drawing/2014/main" id="{C2554CA6-288E-4202-BC52-2E5A8F0C0AED}"/>
               </a:ext>
               <a:ext uri="{C183D7F6-B498-43B3-948B-1728B52AA6E4}">
                 <adec:decorative xmlns:adec="http://schemas.microsoft.com/office/drawing/2017/decorative" val="1"/>
@@ -6163,10 +6729,515 @@
       </p:sp>
       <p:sp>
         <p:nvSpPr>
+          <p:cNvPr id="36" name="Oval 35">
+            <a:extLst>
+              <a:ext uri="{FF2B5EF4-FFF2-40B4-BE49-F238E27FC236}">
+                <a16:creationId xmlns:a16="http://schemas.microsoft.com/office/drawing/2014/main" id="{B10BB131-AC8E-4A8E-A5D1-36260F720C3B}"/>
+              </a:ext>
+              <a:ext uri="{C183D7F6-B498-43B3-948B-1728B52AA6E4}">
+                <adec:decorative xmlns:adec="http://schemas.microsoft.com/office/drawing/2017/decorative" val="1"/>
+              </a:ext>
+            </a:extLst>
+          </p:cNvPr>
+          <p:cNvSpPr>
+            <a:spLocks noGrp="1" noRot="1" noChangeAspect="1" noMove="1" noResize="1" noEditPoints="1" noAdjustHandles="1" noChangeArrowheads="1" noChangeShapeType="1" noTextEdit="1"/>
+          </p:cNvSpPr>
+          <p:nvPr>
+            <p:extLst>
+              <p:ext uri="{386F3935-93C4-4BCD-93E2-E3B085C9AB24}">
+                <p16:designElem xmlns:p16="http://schemas.microsoft.com/office/powerpoint/2015/main" val="1"/>
+              </p:ext>
+            </p:extLst>
+          </p:nvPr>
+        </p:nvSpPr>
+        <p:spPr>
+          <a:xfrm>
+            <a:off x="489189" y="1119031"/>
+            <a:ext cx="4619938" cy="4619938"/>
+          </a:xfrm>
+          <a:prstGeom prst="ellipse">
+            <a:avLst/>
+          </a:prstGeom>
+          <a:solidFill>
+            <a:schemeClr val="accent2"/>
+          </a:solidFill>
+          <a:ln>
+            <a:noFill/>
+          </a:ln>
+        </p:spPr>
+        <p:style>
+          <a:lnRef idx="2">
+            <a:schemeClr val="accent1">
+              <a:shade val="50000"/>
+            </a:schemeClr>
+          </a:lnRef>
+          <a:fillRef idx="1">
+            <a:schemeClr val="accent1"/>
+          </a:fillRef>
+          <a:effectRef idx="0">
+            <a:schemeClr val="accent1"/>
+          </a:effectRef>
+          <a:fontRef idx="minor">
+            <a:schemeClr val="lt1"/>
+          </a:fontRef>
+        </p:style>
+        <p:txBody>
+          <a:bodyPr rtlCol="0" anchor="ctr"/>
+          <a:lstStyle/>
+          <a:p>
+            <a:pPr algn="ctr"/>
+            <a:endParaRPr lang="en-US"/>
+          </a:p>
+        </p:txBody>
+      </p:sp>
+      <p:sp>
+        <p:nvSpPr>
           <p:cNvPr id="2" name="Title 1">
             <a:extLst>
               <a:ext uri="{FF2B5EF4-FFF2-40B4-BE49-F238E27FC236}">
-                <a16:creationId xmlns:a16="http://schemas.microsoft.com/office/drawing/2014/main" id="{7CE0E28D-5F74-4D55-B950-BC71CECCEF04}"/>
+                <a16:creationId xmlns:a16="http://schemas.microsoft.com/office/drawing/2014/main" id="{883B3947-301C-40CB-B901-483A4B67ED72}"/>
+              </a:ext>
+            </a:extLst>
+          </p:cNvPr>
+          <p:cNvSpPr>
+            <a:spLocks noGrp="1"/>
+          </p:cNvSpPr>
+          <p:nvPr>
+            <p:ph type="title"/>
+          </p:nvPr>
+        </p:nvSpPr>
+        <p:spPr>
+          <a:xfrm>
+            <a:off x="1171074" y="1396686"/>
+            <a:ext cx="3240506" cy="4064628"/>
+          </a:xfrm>
+        </p:spPr>
+        <p:txBody>
+          <a:bodyPr>
+            <a:normAutofit/>
+          </a:bodyPr>
+          <a:lstStyle/>
+          <a:p>
+            <a:r>
+              <a:rPr lang="en-US">
+                <a:solidFill>
+                  <a:srgbClr val="FFFFFF"/>
+                </a:solidFill>
+              </a:rPr>
+              <a:t>The Situation</a:t>
+            </a:r>
+          </a:p>
+        </p:txBody>
+      </p:sp>
+      <p:sp>
+        <p:nvSpPr>
+          <p:cNvPr id="38" name="Arc 37">
+            <a:extLst>
+              <a:ext uri="{FF2B5EF4-FFF2-40B4-BE49-F238E27FC236}">
+                <a16:creationId xmlns:a16="http://schemas.microsoft.com/office/drawing/2014/main" id="{5B7778FC-632E-4DCA-A7CB-0D7731CCF970}"/>
+              </a:ext>
+              <a:ext uri="{C183D7F6-B498-43B3-948B-1728B52AA6E4}">
+                <adec:decorative xmlns:adec="http://schemas.microsoft.com/office/drawing/2017/decorative" val="1"/>
+              </a:ext>
+            </a:extLst>
+          </p:cNvPr>
+          <p:cNvSpPr>
+            <a:spLocks noGrp="1" noRot="1" noChangeAspect="1" noMove="1" noResize="1" noEditPoints="1" noAdjustHandles="1" noChangeArrowheads="1" noChangeShapeType="1" noTextEdit="1"/>
+          </p:cNvSpPr>
+          <p:nvPr>
+            <p:extLst>
+              <p:ext uri="{386F3935-93C4-4BCD-93E2-E3B085C9AB24}">
+                <p16:designElem xmlns:p16="http://schemas.microsoft.com/office/powerpoint/2015/main" val="1"/>
+              </p:ext>
+            </p:extLst>
+          </p:nvPr>
+        </p:nvSpPr>
+        <p:spPr>
+          <a:xfrm rot="19809111">
+            <a:off x="8683720" y="941148"/>
+            <a:ext cx="2987899" cy="2987899"/>
+          </a:xfrm>
+          <a:prstGeom prst="arc">
+            <a:avLst>
+              <a:gd name="adj1" fmla="val 15817365"/>
+              <a:gd name="adj2" fmla="val 1781380"/>
+            </a:avLst>
+          </a:prstGeom>
+          <a:ln w="127000" cap="rnd">
+            <a:solidFill>
+              <a:schemeClr val="accent4"/>
+            </a:solidFill>
+            <a:prstDash val="dash"/>
+            <a:miter lim="800000"/>
+          </a:ln>
+        </p:spPr>
+        <p:style>
+          <a:lnRef idx="1">
+            <a:schemeClr val="accent1"/>
+          </a:lnRef>
+          <a:fillRef idx="0">
+            <a:schemeClr val="accent1"/>
+          </a:fillRef>
+          <a:effectRef idx="0">
+            <a:schemeClr val="accent1"/>
+          </a:effectRef>
+          <a:fontRef idx="minor">
+            <a:schemeClr val="tx1"/>
+          </a:fontRef>
+        </p:style>
+        <p:txBody>
+          <a:bodyPr rtlCol="0" anchor="ctr"/>
+          <a:lstStyle/>
+          <a:p>
+            <a:pPr marL="0" marR="0" lvl="0" indent="0" algn="ctr" defTabSz="914400" rtl="0" eaLnBrk="1" fontAlgn="auto" latinLnBrk="0" hangingPunct="1">
+              <a:lnSpc>
+                <a:spcPct val="100000"/>
+              </a:lnSpc>
+              <a:spcBef>
+                <a:spcPts val="0"/>
+              </a:spcBef>
+              <a:spcAft>
+                <a:spcPts val="0"/>
+              </a:spcAft>
+              <a:buClrTx/>
+              <a:buSzTx/>
+              <a:buFontTx/>
+              <a:buNone/>
+              <a:tabLst/>
+              <a:defRPr/>
+            </a:pPr>
+            <a:endParaRPr kumimoji="0" lang="en-US" sz="1800" b="0" i="0" u="none" strike="noStrike" kern="1200" cap="none" spc="0" normalizeH="0" baseline="0" noProof="0">
+              <a:ln>
+                <a:noFill/>
+              </a:ln>
+              <a:solidFill>
+                <a:srgbClr val="000000"/>
+              </a:solidFill>
+              <a:effectLst/>
+              <a:uLnTx/>
+              <a:uFillTx/>
+              <a:latin typeface="Calibri" panose="020F0502020204030204"/>
+              <a:ea typeface="+mn-ea"/>
+              <a:cs typeface="+mn-cs"/>
+            </a:endParaRPr>
+          </a:p>
+        </p:txBody>
+      </p:sp>
+      <p:sp>
+        <p:nvSpPr>
+          <p:cNvPr id="40" name="Oval 39">
+            <a:extLst>
+              <a:ext uri="{FF2B5EF4-FFF2-40B4-BE49-F238E27FC236}">
+                <a16:creationId xmlns:a16="http://schemas.microsoft.com/office/drawing/2014/main" id="{FA23A907-97FB-4A8F-880A-DD77401C4296}"/>
+              </a:ext>
+              <a:ext uri="{C183D7F6-B498-43B3-948B-1728B52AA6E4}">
+                <adec:decorative xmlns:adec="http://schemas.microsoft.com/office/drawing/2017/decorative" val="1"/>
+              </a:ext>
+            </a:extLst>
+          </p:cNvPr>
+          <p:cNvSpPr>
+            <a:spLocks noGrp="1" noRot="1" noChangeAspect="1" noMove="1" noResize="1" noEditPoints="1" noAdjustHandles="1" noChangeArrowheads="1" noChangeShapeType="1" noTextEdit="1"/>
+          </p:cNvSpPr>
+          <p:nvPr>
+            <p:extLst>
+              <p:ext uri="{386F3935-93C4-4BCD-93E2-E3B085C9AB24}">
+                <p16:designElem xmlns:p16="http://schemas.microsoft.com/office/powerpoint/2015/main" val="1"/>
+              </p:ext>
+            </p:extLst>
+          </p:nvPr>
+        </p:nvSpPr>
+        <p:spPr>
+          <a:xfrm>
+            <a:off x="910048" y="4780992"/>
+            <a:ext cx="546100" cy="546100"/>
+          </a:xfrm>
+          <a:prstGeom prst="ellipse">
+            <a:avLst/>
+          </a:prstGeom>
+          <a:solidFill>
+            <a:schemeClr val="accent5"/>
+          </a:solidFill>
+          <a:ln>
+            <a:noFill/>
+          </a:ln>
+        </p:spPr>
+        <p:style>
+          <a:lnRef idx="2">
+            <a:schemeClr val="accent1">
+              <a:shade val="50000"/>
+            </a:schemeClr>
+          </a:lnRef>
+          <a:fillRef idx="1">
+            <a:schemeClr val="accent1"/>
+          </a:fillRef>
+          <a:effectRef idx="0">
+            <a:schemeClr val="accent1"/>
+          </a:effectRef>
+          <a:fontRef idx="minor">
+            <a:schemeClr val="lt1"/>
+          </a:fontRef>
+        </p:style>
+        <p:txBody>
+          <a:bodyPr rtlCol="0" anchor="ctr"/>
+          <a:lstStyle/>
+          <a:p>
+            <a:pPr marL="0" marR="0" lvl="0" indent="0" algn="ctr" defTabSz="914400" rtl="0" eaLnBrk="1" fontAlgn="auto" latinLnBrk="0" hangingPunct="1">
+              <a:lnSpc>
+                <a:spcPct val="100000"/>
+              </a:lnSpc>
+              <a:spcBef>
+                <a:spcPts val="0"/>
+              </a:spcBef>
+              <a:spcAft>
+                <a:spcPts val="0"/>
+              </a:spcAft>
+              <a:buClrTx/>
+              <a:buSzTx/>
+              <a:buFontTx/>
+              <a:buNone/>
+              <a:tabLst/>
+              <a:defRPr/>
+            </a:pPr>
+            <a:endParaRPr kumimoji="0" lang="en-US" sz="1800" b="0" i="0" u="none" strike="noStrike" kern="1200" cap="none" spc="0" normalizeH="0" baseline="0" noProof="0">
+              <a:ln>
+                <a:noFill/>
+              </a:ln>
+              <a:solidFill>
+                <a:srgbClr val="FFFFFF"/>
+              </a:solidFill>
+              <a:effectLst/>
+              <a:uLnTx/>
+              <a:uFillTx/>
+              <a:latin typeface="Calibri" panose="020F0502020204030204"/>
+              <a:ea typeface="+mn-ea"/>
+              <a:cs typeface="+mn-cs"/>
+            </a:endParaRPr>
+          </a:p>
+        </p:txBody>
+      </p:sp>
+      <p:sp>
+        <p:nvSpPr>
+          <p:cNvPr id="3" name="Content Placeholder 2">
+            <a:extLst>
+              <a:ext uri="{FF2B5EF4-FFF2-40B4-BE49-F238E27FC236}">
+                <a16:creationId xmlns:a16="http://schemas.microsoft.com/office/drawing/2014/main" id="{E4D8EBDA-F8DB-4825-A7CD-8C726412B8F6}"/>
+              </a:ext>
+            </a:extLst>
+          </p:cNvPr>
+          <p:cNvSpPr>
+            <a:spLocks noGrp="1"/>
+          </p:cNvSpPr>
+          <p:nvPr>
+            <p:ph idx="1"/>
+          </p:nvPr>
+        </p:nvSpPr>
+        <p:spPr>
+          <a:xfrm>
+            <a:off x="5370153" y="1526033"/>
+            <a:ext cx="5536397" cy="3935281"/>
+          </a:xfrm>
+        </p:spPr>
+        <p:txBody>
+          <a:bodyPr>
+            <a:normAutofit/>
+          </a:bodyPr>
+          <a:lstStyle/>
+          <a:p>
+            <a:r>
+              <a:rPr lang="en-US" sz="1800" dirty="0"/>
+              <a:t>COVID-19 has spread globally causing over 11.5 million cases and 537,000 deaths</a:t>
+            </a:r>
+          </a:p>
+          <a:p>
+            <a:endParaRPr lang="en-US" sz="1800" dirty="0"/>
+          </a:p>
+          <a:p>
+            <a:r>
+              <a:rPr lang="en-US" sz="1800" dirty="0"/>
+              <a:t>The key to long term management of the virus is vaccination</a:t>
+            </a:r>
+          </a:p>
+          <a:p>
+            <a:endParaRPr lang="en-US" sz="1800" dirty="0"/>
+          </a:p>
+          <a:p>
+            <a:r>
+              <a:rPr lang="en-US" sz="1800" dirty="0"/>
+              <a:t>Vaccines are life saving -- protecting people from diseases such as Meningitis, HPV, Polio and Smallpox</a:t>
+            </a:r>
+          </a:p>
+          <a:p>
+            <a:endParaRPr lang="en-US" sz="1800" dirty="0"/>
+          </a:p>
+          <a:p>
+            <a:r>
+              <a:rPr lang="en-US" sz="1800" dirty="0"/>
+              <a:t>Many American </a:t>
+            </a:r>
+            <a:r>
+              <a:rPr lang="en-US" sz="1800" b="1" dirty="0"/>
+              <a:t>incorrectly</a:t>
+            </a:r>
+            <a:r>
+              <a:rPr lang="en-US" sz="1800" dirty="0"/>
+              <a:t>, and </a:t>
+            </a:r>
+            <a:r>
+              <a:rPr lang="en-US" sz="1800" b="1" dirty="0"/>
+              <a:t>dangerously</a:t>
+            </a:r>
+            <a:r>
+              <a:rPr lang="en-US" sz="1800" dirty="0"/>
+              <a:t>, believe vaccination is harmful instead of helpful</a:t>
+            </a:r>
+          </a:p>
+          <a:p>
+            <a:endParaRPr lang="en-US" sz="1800" dirty="0"/>
+          </a:p>
+          <a:p>
+            <a:endParaRPr lang="en-US" sz="1800" dirty="0"/>
+          </a:p>
+        </p:txBody>
+      </p:sp>
+      <p:sp>
+        <p:nvSpPr>
+          <p:cNvPr id="4" name="TextBox 3">
+            <a:extLst>
+              <a:ext uri="{FF2B5EF4-FFF2-40B4-BE49-F238E27FC236}">
+                <a16:creationId xmlns:a16="http://schemas.microsoft.com/office/drawing/2014/main" id="{6EEFC409-4E37-41CC-8BD7-77909BB4741C}"/>
+              </a:ext>
+            </a:extLst>
+          </p:cNvPr>
+          <p:cNvSpPr txBox="1"/>
+          <p:nvPr/>
+        </p:nvSpPr>
+        <p:spPr>
+          <a:xfrm>
+            <a:off x="10800044" y="6406901"/>
+            <a:ext cx="1565940" cy="369332"/>
+          </a:xfrm>
+          <a:prstGeom prst="rect">
+            <a:avLst/>
+          </a:prstGeom>
+          <a:noFill/>
+        </p:spPr>
+        <p:txBody>
+          <a:bodyPr wrap="square" rtlCol="0">
+            <a:spAutoFit/>
+          </a:bodyPr>
+          <a:lstStyle/>
+          <a:p>
+            <a:r>
+              <a:rPr lang="en-US" dirty="0"/>
+              <a:t>Matt</a:t>
+            </a:r>
+          </a:p>
+        </p:txBody>
+      </p:sp>
+    </p:spTree>
+    <p:extLst>
+      <p:ext uri="{BB962C8B-B14F-4D97-AF65-F5344CB8AC3E}">
+        <p14:creationId xmlns:p14="http://schemas.microsoft.com/office/powerpoint/2010/main" val="2148731775"/>
+      </p:ext>
+    </p:extLst>
+  </p:cSld>
+  <p:clrMapOvr>
+    <a:masterClrMapping/>
+  </p:clrMapOvr>
+</p:sld>
+</file>
+
+<file path=ppt/slides/slide3.xml><?xml version="1.0" encoding="utf-8"?>
+<p:sld xmlns:a="http://schemas.openxmlformats.org/drawingml/2006/main" xmlns:r="http://schemas.openxmlformats.org/officeDocument/2006/relationships" xmlns:p="http://schemas.openxmlformats.org/presentationml/2006/main">
+  <p:cSld>
+    <p:bg>
+      <p:bgPr>
+        <a:solidFill>
+          <a:schemeClr val="bg1"/>
+        </a:solidFill>
+        <a:effectLst/>
+      </p:bgPr>
+    </p:bg>
+    <p:spTree>
+      <p:nvGrpSpPr>
+        <p:cNvPr id="1" name=""/>
+        <p:cNvGrpSpPr/>
+        <p:nvPr/>
+      </p:nvGrpSpPr>
+      <p:grpSpPr>
+        <a:xfrm>
+          <a:off x="0" y="0"/>
+          <a:ext cx="0" cy="0"/>
+          <a:chOff x="0" y="0"/>
+          <a:chExt cx="0" cy="0"/>
+        </a:xfrm>
+      </p:grpSpPr>
+      <p:sp useBgFill="1">
+        <p:nvSpPr>
+          <p:cNvPr id="8" name="Rectangle 7">
+            <a:extLst>
+              <a:ext uri="{FF2B5EF4-FFF2-40B4-BE49-F238E27FC236}">
+                <a16:creationId xmlns:a16="http://schemas.microsoft.com/office/drawing/2014/main" id="{F837543A-6020-4505-A233-C9DB4BF74011}"/>
+              </a:ext>
+              <a:ext uri="{C183D7F6-B498-43B3-948B-1728B52AA6E4}">
+                <adec:decorative xmlns:adec="http://schemas.microsoft.com/office/drawing/2017/decorative" val="1"/>
+              </a:ext>
+            </a:extLst>
+          </p:cNvPr>
+          <p:cNvSpPr>
+            <a:spLocks noGrp="1" noRot="1" noChangeAspect="1" noMove="1" noResize="1" noEditPoints="1" noAdjustHandles="1" noChangeArrowheads="1" noChangeShapeType="1" noTextEdit="1"/>
+          </p:cNvSpPr>
+          <p:nvPr>
+            <p:extLst>
+              <p:ext uri="{386F3935-93C4-4BCD-93E2-E3B085C9AB24}">
+                <p16:designElem xmlns:p16="http://schemas.microsoft.com/office/powerpoint/2015/main" val="1"/>
+              </p:ext>
+            </p:extLst>
+          </p:nvPr>
+        </p:nvSpPr>
+        <p:spPr>
+          <a:xfrm>
+            <a:off x="3048" y="0"/>
+            <a:ext cx="12188952" cy="6858000"/>
+          </a:xfrm>
+          <a:prstGeom prst="rect">
+            <a:avLst/>
+          </a:prstGeom>
+          <a:ln>
+            <a:noFill/>
+          </a:ln>
+        </p:spPr>
+        <p:style>
+          <a:lnRef idx="2">
+            <a:schemeClr val="accent1">
+              <a:shade val="50000"/>
+            </a:schemeClr>
+          </a:lnRef>
+          <a:fillRef idx="1">
+            <a:schemeClr val="accent1"/>
+          </a:fillRef>
+          <a:effectRef idx="0">
+            <a:schemeClr val="accent1"/>
+          </a:effectRef>
+          <a:fontRef idx="minor">
+            <a:schemeClr val="lt1"/>
+          </a:fontRef>
+        </p:style>
+        <p:txBody>
+          <a:bodyPr rtlCol="0" anchor="ctr"/>
+          <a:lstStyle/>
+          <a:p>
+            <a:pPr algn="ctr"/>
+            <a:endParaRPr lang="en-US"/>
+          </a:p>
+        </p:txBody>
+      </p:sp>
+      <p:sp>
+        <p:nvSpPr>
+          <p:cNvPr id="2" name="Title 1">
+            <a:extLst>
+              <a:ext uri="{FF2B5EF4-FFF2-40B4-BE49-F238E27FC236}">
+                <a16:creationId xmlns:a16="http://schemas.microsoft.com/office/drawing/2014/main" id="{F3373AA9-1FA2-48A8-A905-157B3A4F5A28}"/>
               </a:ext>
             </a:extLst>
           </p:cNvPr>
@@ -6191,7 +7262,7 @@
           <a:p>
             <a:r>
               <a:rPr lang="en-US" dirty="0"/>
-              <a:t>Continuing a Conversation</a:t>
+              <a:t>The Problem</a:t>
             </a:r>
           </a:p>
         </p:txBody>
@@ -6321,7 +7392,7 @@
           <p:cNvPr id="3" name="Content Placeholder 2">
             <a:extLst>
               <a:ext uri="{FF2B5EF4-FFF2-40B4-BE49-F238E27FC236}">
-                <a16:creationId xmlns:a16="http://schemas.microsoft.com/office/drawing/2014/main" id="{13418A87-B8DE-42DE-8BDA-CDDD784AA6B4}"/>
+                <a16:creationId xmlns:a16="http://schemas.microsoft.com/office/drawing/2014/main" id="{D00D3313-DD5C-426E-BAE3-F952A7A07E21}"/>
               </a:ext>
             </a:extLst>
           </p:cNvPr>
@@ -6346,33 +7417,27 @@
           <a:p>
             <a:r>
               <a:rPr lang="en-US" dirty="0"/>
-              <a:t>Humans aren’t perfect, and neither are machines</a:t>
-            </a:r>
-          </a:p>
-          <a:p>
+              <a:t>We need to know </a:t>
+            </a:r>
+            <a:r>
+              <a:rPr lang="en-US" b="1" dirty="0"/>
+              <a:t>who would</a:t>
+            </a:r>
             <a:r>
               <a:rPr lang="en-US" dirty="0"/>
-              <a:t>At least machines can organize more information in their heads and make consistent decisions</a:t>
-            </a:r>
-          </a:p>
-          <a:p>
+              <a:t> and </a:t>
+            </a:r>
+            <a:r>
+              <a:rPr lang="en-US" b="1" dirty="0"/>
+              <a:t>who wouldn’t </a:t>
+            </a:r>
             <a:r>
               <a:rPr lang="en-US" dirty="0"/>
-              <a:t>At least humans can navigate gray areas and think strategically</a:t>
-            </a:r>
-          </a:p>
-          <a:p>
-            <a:r>
-              <a:rPr lang="en-US" dirty="0"/>
-              <a:t>What’s the place for machines and humans on the issue </a:t>
-            </a:r>
-            <a:r>
-              <a:rPr lang="en-US"/>
-              <a:t>of vaccination?</a:t>
-            </a:r>
-            <a:endParaRPr lang="en-US" dirty="0"/>
-          </a:p>
-          <a:p>
+              <a:t>get a vaccine to appropriately plan and execute the vaccination program roll-out</a:t>
+            </a:r>
+          </a:p>
+          <a:p>
+            <a:pPr lvl="1"/>
             <a:endParaRPr lang="en-US" dirty="0"/>
           </a:p>
         </p:txBody>
@@ -7081,1642 +8146,6 @@
           </a:p>
         </p:txBody>
       </p:sp>
-    </p:spTree>
-    <p:extLst>
-      <p:ext uri="{BB962C8B-B14F-4D97-AF65-F5344CB8AC3E}">
-        <p14:creationId xmlns:p14="http://schemas.microsoft.com/office/powerpoint/2010/main" val="4038533530"/>
-      </p:ext>
-    </p:extLst>
-  </p:cSld>
-  <p:clrMapOvr>
-    <a:masterClrMapping/>
-  </p:clrMapOvr>
-</p:sld>
-</file>
-
-<file path=ppt/slides/slide13.xml><?xml version="1.0" encoding="utf-8"?>
-<p:sld xmlns:a="http://schemas.openxmlformats.org/drawingml/2006/main" xmlns:r="http://schemas.openxmlformats.org/officeDocument/2006/relationships" xmlns:p="http://schemas.openxmlformats.org/presentationml/2006/main">
-  <p:cSld>
-    <p:spTree>
-      <p:nvGrpSpPr>
-        <p:cNvPr id="1" name=""/>
-        <p:cNvGrpSpPr/>
-        <p:nvPr/>
-      </p:nvGrpSpPr>
-      <p:grpSpPr>
-        <a:xfrm>
-          <a:off x="0" y="0"/>
-          <a:ext cx="0" cy="0"/>
-          <a:chOff x="0" y="0"/>
-          <a:chExt cx="0" cy="0"/>
-        </a:xfrm>
-      </p:grpSpPr>
-      <p:sp>
-        <p:nvSpPr>
-          <p:cNvPr id="2" name="Title 1">
-            <a:extLst>
-              <a:ext uri="{FF2B5EF4-FFF2-40B4-BE49-F238E27FC236}">
-                <a16:creationId xmlns:a16="http://schemas.microsoft.com/office/drawing/2014/main" id="{98594551-0B75-4F50-A282-48583D022F6C}"/>
-              </a:ext>
-            </a:extLst>
-          </p:cNvPr>
-          <p:cNvSpPr>
-            <a:spLocks noGrp="1"/>
-          </p:cNvSpPr>
-          <p:nvPr>
-            <p:ph type="title"/>
-          </p:nvPr>
-        </p:nvSpPr>
-        <p:spPr/>
-        <p:txBody>
-          <a:bodyPr/>
-          <a:lstStyle/>
-          <a:p>
-            <a:r>
-              <a:rPr lang="en-US" dirty="0"/>
-              <a:t>Demonstration</a:t>
-            </a:r>
-          </a:p>
-        </p:txBody>
-      </p:sp>
-      <p:sp>
-        <p:nvSpPr>
-          <p:cNvPr id="3" name="Content Placeholder 2">
-            <a:extLst>
-              <a:ext uri="{FF2B5EF4-FFF2-40B4-BE49-F238E27FC236}">
-                <a16:creationId xmlns:a16="http://schemas.microsoft.com/office/drawing/2014/main" id="{CE1A8270-FFAB-4583-AD8D-63B3BBF01B82}"/>
-              </a:ext>
-            </a:extLst>
-          </p:cNvPr>
-          <p:cNvSpPr>
-            <a:spLocks noGrp="1"/>
-          </p:cNvSpPr>
-          <p:nvPr>
-            <p:ph idx="1"/>
-          </p:nvPr>
-        </p:nvSpPr>
-        <p:spPr/>
-        <p:txBody>
-          <a:bodyPr/>
-          <a:lstStyle/>
-          <a:p>
-            <a:endParaRPr lang="en-US"/>
-          </a:p>
-        </p:txBody>
-      </p:sp>
-      <p:sp>
-        <p:nvSpPr>
-          <p:cNvPr id="5" name="TextBox 4">
-            <a:extLst>
-              <a:ext uri="{FF2B5EF4-FFF2-40B4-BE49-F238E27FC236}">
-                <a16:creationId xmlns:a16="http://schemas.microsoft.com/office/drawing/2014/main" id="{E36E8A6D-747F-4B35-A288-DB44242E04C9}"/>
-              </a:ext>
-            </a:extLst>
-          </p:cNvPr>
-          <p:cNvSpPr txBox="1"/>
-          <p:nvPr/>
-        </p:nvSpPr>
-        <p:spPr>
-          <a:xfrm>
-            <a:off x="10336218" y="6242324"/>
-            <a:ext cx="1852734" cy="369332"/>
-          </a:xfrm>
-          <a:prstGeom prst="rect">
-            <a:avLst/>
-          </a:prstGeom>
-          <a:noFill/>
-        </p:spPr>
-        <p:txBody>
-          <a:bodyPr wrap="square" rtlCol="0">
-            <a:spAutoFit/>
-          </a:bodyPr>
-          <a:lstStyle/>
-          <a:p>
-            <a:r>
-              <a:rPr lang="en-US" dirty="0" err="1"/>
-              <a:t>Sasmita</a:t>
-            </a:r>
-            <a:endParaRPr lang="en-US" dirty="0"/>
-          </a:p>
-        </p:txBody>
-      </p:sp>
-    </p:spTree>
-    <p:extLst>
-      <p:ext uri="{BB962C8B-B14F-4D97-AF65-F5344CB8AC3E}">
-        <p14:creationId xmlns:p14="http://schemas.microsoft.com/office/powerpoint/2010/main" val="2972871799"/>
-      </p:ext>
-    </p:extLst>
-  </p:cSld>
-  <p:clrMapOvr>
-    <a:masterClrMapping/>
-  </p:clrMapOvr>
-</p:sld>
-</file>
-
-<file path=ppt/slides/slide2.xml><?xml version="1.0" encoding="utf-8"?>
-<p:sld xmlns:a="http://schemas.openxmlformats.org/drawingml/2006/main" xmlns:r="http://schemas.openxmlformats.org/officeDocument/2006/relationships" xmlns:p="http://schemas.openxmlformats.org/presentationml/2006/main">
-  <p:cSld>
-    <p:bg>
-      <p:bgPr>
-        <a:solidFill>
-          <a:schemeClr val="bg1"/>
-        </a:solidFill>
-        <a:effectLst/>
-      </p:bgPr>
-    </p:bg>
-    <p:spTree>
-      <p:nvGrpSpPr>
-        <p:cNvPr id="1" name=""/>
-        <p:cNvGrpSpPr/>
-        <p:nvPr/>
-      </p:nvGrpSpPr>
-      <p:grpSpPr>
-        <a:xfrm>
-          <a:off x="0" y="0"/>
-          <a:ext cx="0" cy="0"/>
-          <a:chOff x="0" y="0"/>
-          <a:chExt cx="0" cy="0"/>
-        </a:xfrm>
-      </p:grpSpPr>
-      <p:sp useBgFill="1">
-        <p:nvSpPr>
-          <p:cNvPr id="34" name="Rectangle 33">
-            <a:extLst>
-              <a:ext uri="{FF2B5EF4-FFF2-40B4-BE49-F238E27FC236}">
-                <a16:creationId xmlns:a16="http://schemas.microsoft.com/office/drawing/2014/main" id="{C2554CA6-288E-4202-BC52-2E5A8F0C0AED}"/>
-              </a:ext>
-              <a:ext uri="{C183D7F6-B498-43B3-948B-1728B52AA6E4}">
-                <adec:decorative xmlns:adec="http://schemas.microsoft.com/office/drawing/2017/decorative" val="1"/>
-              </a:ext>
-            </a:extLst>
-          </p:cNvPr>
-          <p:cNvSpPr>
-            <a:spLocks noGrp="1" noRot="1" noChangeAspect="1" noMove="1" noResize="1" noEditPoints="1" noAdjustHandles="1" noChangeArrowheads="1" noChangeShapeType="1" noTextEdit="1"/>
-          </p:cNvSpPr>
-          <p:nvPr>
-            <p:extLst>
-              <p:ext uri="{386F3935-93C4-4BCD-93E2-E3B085C9AB24}">
-                <p16:designElem xmlns:p16="http://schemas.microsoft.com/office/powerpoint/2015/main" val="1"/>
-              </p:ext>
-            </p:extLst>
-          </p:nvPr>
-        </p:nvSpPr>
-        <p:spPr>
-          <a:xfrm>
-            <a:off x="3048" y="0"/>
-            <a:ext cx="12188952" cy="6858000"/>
-          </a:xfrm>
-          <a:prstGeom prst="rect">
-            <a:avLst/>
-          </a:prstGeom>
-          <a:ln>
-            <a:noFill/>
-          </a:ln>
-        </p:spPr>
-        <p:style>
-          <a:lnRef idx="2">
-            <a:schemeClr val="accent1">
-              <a:shade val="50000"/>
-            </a:schemeClr>
-          </a:lnRef>
-          <a:fillRef idx="1">
-            <a:schemeClr val="accent1"/>
-          </a:fillRef>
-          <a:effectRef idx="0">
-            <a:schemeClr val="accent1"/>
-          </a:effectRef>
-          <a:fontRef idx="minor">
-            <a:schemeClr val="lt1"/>
-          </a:fontRef>
-        </p:style>
-        <p:txBody>
-          <a:bodyPr rtlCol="0" anchor="ctr"/>
-          <a:lstStyle/>
-          <a:p>
-            <a:pPr algn="ctr"/>
-            <a:endParaRPr lang="en-US"/>
-          </a:p>
-        </p:txBody>
-      </p:sp>
-      <p:sp>
-        <p:nvSpPr>
-          <p:cNvPr id="36" name="Oval 35">
-            <a:extLst>
-              <a:ext uri="{FF2B5EF4-FFF2-40B4-BE49-F238E27FC236}">
-                <a16:creationId xmlns:a16="http://schemas.microsoft.com/office/drawing/2014/main" id="{B10BB131-AC8E-4A8E-A5D1-36260F720C3B}"/>
-              </a:ext>
-              <a:ext uri="{C183D7F6-B498-43B3-948B-1728B52AA6E4}">
-                <adec:decorative xmlns:adec="http://schemas.microsoft.com/office/drawing/2017/decorative" val="1"/>
-              </a:ext>
-            </a:extLst>
-          </p:cNvPr>
-          <p:cNvSpPr>
-            <a:spLocks noGrp="1" noRot="1" noChangeAspect="1" noMove="1" noResize="1" noEditPoints="1" noAdjustHandles="1" noChangeArrowheads="1" noChangeShapeType="1" noTextEdit="1"/>
-          </p:cNvSpPr>
-          <p:nvPr>
-            <p:extLst>
-              <p:ext uri="{386F3935-93C4-4BCD-93E2-E3B085C9AB24}">
-                <p16:designElem xmlns:p16="http://schemas.microsoft.com/office/powerpoint/2015/main" val="1"/>
-              </p:ext>
-            </p:extLst>
-          </p:nvPr>
-        </p:nvSpPr>
-        <p:spPr>
-          <a:xfrm>
-            <a:off x="489189" y="1119031"/>
-            <a:ext cx="4619938" cy="4619938"/>
-          </a:xfrm>
-          <a:prstGeom prst="ellipse">
-            <a:avLst/>
-          </a:prstGeom>
-          <a:solidFill>
-            <a:schemeClr val="accent2"/>
-          </a:solidFill>
-          <a:ln>
-            <a:noFill/>
-          </a:ln>
-        </p:spPr>
-        <p:style>
-          <a:lnRef idx="2">
-            <a:schemeClr val="accent1">
-              <a:shade val="50000"/>
-            </a:schemeClr>
-          </a:lnRef>
-          <a:fillRef idx="1">
-            <a:schemeClr val="accent1"/>
-          </a:fillRef>
-          <a:effectRef idx="0">
-            <a:schemeClr val="accent1"/>
-          </a:effectRef>
-          <a:fontRef idx="minor">
-            <a:schemeClr val="lt1"/>
-          </a:fontRef>
-        </p:style>
-        <p:txBody>
-          <a:bodyPr rtlCol="0" anchor="ctr"/>
-          <a:lstStyle/>
-          <a:p>
-            <a:pPr algn="ctr"/>
-            <a:endParaRPr lang="en-US"/>
-          </a:p>
-        </p:txBody>
-      </p:sp>
-      <p:sp>
-        <p:nvSpPr>
-          <p:cNvPr id="2" name="Title 1">
-            <a:extLst>
-              <a:ext uri="{FF2B5EF4-FFF2-40B4-BE49-F238E27FC236}">
-                <a16:creationId xmlns:a16="http://schemas.microsoft.com/office/drawing/2014/main" id="{883B3947-301C-40CB-B901-483A4B67ED72}"/>
-              </a:ext>
-            </a:extLst>
-          </p:cNvPr>
-          <p:cNvSpPr>
-            <a:spLocks noGrp="1"/>
-          </p:cNvSpPr>
-          <p:nvPr>
-            <p:ph type="title"/>
-          </p:nvPr>
-        </p:nvSpPr>
-        <p:spPr>
-          <a:xfrm>
-            <a:off x="1171074" y="1396686"/>
-            <a:ext cx="3240506" cy="4064628"/>
-          </a:xfrm>
-        </p:spPr>
-        <p:txBody>
-          <a:bodyPr>
-            <a:normAutofit/>
-          </a:bodyPr>
-          <a:lstStyle/>
-          <a:p>
-            <a:r>
-              <a:rPr lang="en-US">
-                <a:solidFill>
-                  <a:srgbClr val="FFFFFF"/>
-                </a:solidFill>
-              </a:rPr>
-              <a:t>The Situation</a:t>
-            </a:r>
-          </a:p>
-        </p:txBody>
-      </p:sp>
-      <p:sp>
-        <p:nvSpPr>
-          <p:cNvPr id="38" name="Arc 37">
-            <a:extLst>
-              <a:ext uri="{FF2B5EF4-FFF2-40B4-BE49-F238E27FC236}">
-                <a16:creationId xmlns:a16="http://schemas.microsoft.com/office/drawing/2014/main" id="{5B7778FC-632E-4DCA-A7CB-0D7731CCF970}"/>
-              </a:ext>
-              <a:ext uri="{C183D7F6-B498-43B3-948B-1728B52AA6E4}">
-                <adec:decorative xmlns:adec="http://schemas.microsoft.com/office/drawing/2017/decorative" val="1"/>
-              </a:ext>
-            </a:extLst>
-          </p:cNvPr>
-          <p:cNvSpPr>
-            <a:spLocks noGrp="1" noRot="1" noChangeAspect="1" noMove="1" noResize="1" noEditPoints="1" noAdjustHandles="1" noChangeArrowheads="1" noChangeShapeType="1" noTextEdit="1"/>
-          </p:cNvSpPr>
-          <p:nvPr>
-            <p:extLst>
-              <p:ext uri="{386F3935-93C4-4BCD-93E2-E3B085C9AB24}">
-                <p16:designElem xmlns:p16="http://schemas.microsoft.com/office/powerpoint/2015/main" val="1"/>
-              </p:ext>
-            </p:extLst>
-          </p:nvPr>
-        </p:nvSpPr>
-        <p:spPr>
-          <a:xfrm rot="19809111">
-            <a:off x="8683720" y="941148"/>
-            <a:ext cx="2987899" cy="2987899"/>
-          </a:xfrm>
-          <a:prstGeom prst="arc">
-            <a:avLst>
-              <a:gd name="adj1" fmla="val 15817365"/>
-              <a:gd name="adj2" fmla="val 1781380"/>
-            </a:avLst>
-          </a:prstGeom>
-          <a:ln w="127000" cap="rnd">
-            <a:solidFill>
-              <a:schemeClr val="accent4"/>
-            </a:solidFill>
-            <a:prstDash val="dash"/>
-            <a:miter lim="800000"/>
-          </a:ln>
-        </p:spPr>
-        <p:style>
-          <a:lnRef idx="1">
-            <a:schemeClr val="accent1"/>
-          </a:lnRef>
-          <a:fillRef idx="0">
-            <a:schemeClr val="accent1"/>
-          </a:fillRef>
-          <a:effectRef idx="0">
-            <a:schemeClr val="accent1"/>
-          </a:effectRef>
-          <a:fontRef idx="minor">
-            <a:schemeClr val="tx1"/>
-          </a:fontRef>
-        </p:style>
-        <p:txBody>
-          <a:bodyPr rtlCol="0" anchor="ctr"/>
-          <a:lstStyle/>
-          <a:p>
-            <a:pPr marL="0" marR="0" lvl="0" indent="0" algn="ctr" defTabSz="914400" rtl="0" eaLnBrk="1" fontAlgn="auto" latinLnBrk="0" hangingPunct="1">
-              <a:lnSpc>
-                <a:spcPct val="100000"/>
-              </a:lnSpc>
-              <a:spcBef>
-                <a:spcPts val="0"/>
-              </a:spcBef>
-              <a:spcAft>
-                <a:spcPts val="0"/>
-              </a:spcAft>
-              <a:buClrTx/>
-              <a:buSzTx/>
-              <a:buFontTx/>
-              <a:buNone/>
-              <a:tabLst/>
-              <a:defRPr/>
-            </a:pPr>
-            <a:endParaRPr kumimoji="0" lang="en-US" sz="1800" b="0" i="0" u="none" strike="noStrike" kern="1200" cap="none" spc="0" normalizeH="0" baseline="0" noProof="0">
-              <a:ln>
-                <a:noFill/>
-              </a:ln>
-              <a:solidFill>
-                <a:srgbClr val="000000"/>
-              </a:solidFill>
-              <a:effectLst/>
-              <a:uLnTx/>
-              <a:uFillTx/>
-              <a:latin typeface="Calibri" panose="020F0502020204030204"/>
-              <a:ea typeface="+mn-ea"/>
-              <a:cs typeface="+mn-cs"/>
-            </a:endParaRPr>
-          </a:p>
-        </p:txBody>
-      </p:sp>
-      <p:sp>
-        <p:nvSpPr>
-          <p:cNvPr id="40" name="Oval 39">
-            <a:extLst>
-              <a:ext uri="{FF2B5EF4-FFF2-40B4-BE49-F238E27FC236}">
-                <a16:creationId xmlns:a16="http://schemas.microsoft.com/office/drawing/2014/main" id="{FA23A907-97FB-4A8F-880A-DD77401C4296}"/>
-              </a:ext>
-              <a:ext uri="{C183D7F6-B498-43B3-948B-1728B52AA6E4}">
-                <adec:decorative xmlns:adec="http://schemas.microsoft.com/office/drawing/2017/decorative" val="1"/>
-              </a:ext>
-            </a:extLst>
-          </p:cNvPr>
-          <p:cNvSpPr>
-            <a:spLocks noGrp="1" noRot="1" noChangeAspect="1" noMove="1" noResize="1" noEditPoints="1" noAdjustHandles="1" noChangeArrowheads="1" noChangeShapeType="1" noTextEdit="1"/>
-          </p:cNvSpPr>
-          <p:nvPr>
-            <p:extLst>
-              <p:ext uri="{386F3935-93C4-4BCD-93E2-E3B085C9AB24}">
-                <p16:designElem xmlns:p16="http://schemas.microsoft.com/office/powerpoint/2015/main" val="1"/>
-              </p:ext>
-            </p:extLst>
-          </p:nvPr>
-        </p:nvSpPr>
-        <p:spPr>
-          <a:xfrm>
-            <a:off x="910048" y="4780992"/>
-            <a:ext cx="546100" cy="546100"/>
-          </a:xfrm>
-          <a:prstGeom prst="ellipse">
-            <a:avLst/>
-          </a:prstGeom>
-          <a:solidFill>
-            <a:schemeClr val="accent5"/>
-          </a:solidFill>
-          <a:ln>
-            <a:noFill/>
-          </a:ln>
-        </p:spPr>
-        <p:style>
-          <a:lnRef idx="2">
-            <a:schemeClr val="accent1">
-              <a:shade val="50000"/>
-            </a:schemeClr>
-          </a:lnRef>
-          <a:fillRef idx="1">
-            <a:schemeClr val="accent1"/>
-          </a:fillRef>
-          <a:effectRef idx="0">
-            <a:schemeClr val="accent1"/>
-          </a:effectRef>
-          <a:fontRef idx="minor">
-            <a:schemeClr val="lt1"/>
-          </a:fontRef>
-        </p:style>
-        <p:txBody>
-          <a:bodyPr rtlCol="0" anchor="ctr"/>
-          <a:lstStyle/>
-          <a:p>
-            <a:pPr marL="0" marR="0" lvl="0" indent="0" algn="ctr" defTabSz="914400" rtl="0" eaLnBrk="1" fontAlgn="auto" latinLnBrk="0" hangingPunct="1">
-              <a:lnSpc>
-                <a:spcPct val="100000"/>
-              </a:lnSpc>
-              <a:spcBef>
-                <a:spcPts val="0"/>
-              </a:spcBef>
-              <a:spcAft>
-                <a:spcPts val="0"/>
-              </a:spcAft>
-              <a:buClrTx/>
-              <a:buSzTx/>
-              <a:buFontTx/>
-              <a:buNone/>
-              <a:tabLst/>
-              <a:defRPr/>
-            </a:pPr>
-            <a:endParaRPr kumimoji="0" lang="en-US" sz="1800" b="0" i="0" u="none" strike="noStrike" kern="1200" cap="none" spc="0" normalizeH="0" baseline="0" noProof="0">
-              <a:ln>
-                <a:noFill/>
-              </a:ln>
-              <a:solidFill>
-                <a:srgbClr val="FFFFFF"/>
-              </a:solidFill>
-              <a:effectLst/>
-              <a:uLnTx/>
-              <a:uFillTx/>
-              <a:latin typeface="Calibri" panose="020F0502020204030204"/>
-              <a:ea typeface="+mn-ea"/>
-              <a:cs typeface="+mn-cs"/>
-            </a:endParaRPr>
-          </a:p>
-        </p:txBody>
-      </p:sp>
-      <p:sp>
-        <p:nvSpPr>
-          <p:cNvPr id="3" name="Content Placeholder 2">
-            <a:extLst>
-              <a:ext uri="{FF2B5EF4-FFF2-40B4-BE49-F238E27FC236}">
-                <a16:creationId xmlns:a16="http://schemas.microsoft.com/office/drawing/2014/main" id="{E4D8EBDA-F8DB-4825-A7CD-8C726412B8F6}"/>
-              </a:ext>
-            </a:extLst>
-          </p:cNvPr>
-          <p:cNvSpPr>
-            <a:spLocks noGrp="1"/>
-          </p:cNvSpPr>
-          <p:nvPr>
-            <p:ph idx="1"/>
-          </p:nvPr>
-        </p:nvSpPr>
-        <p:spPr>
-          <a:xfrm>
-            <a:off x="5370153" y="1526033"/>
-            <a:ext cx="5536397" cy="3935281"/>
-          </a:xfrm>
-        </p:spPr>
-        <p:txBody>
-          <a:bodyPr>
-            <a:normAutofit/>
-          </a:bodyPr>
-          <a:lstStyle/>
-          <a:p>
-            <a:r>
-              <a:rPr lang="en-US" sz="1800" dirty="0"/>
-              <a:t>COVID-19 has spread globally causing over 11.5 million cases and 537,000 deaths</a:t>
-            </a:r>
-          </a:p>
-          <a:p>
-            <a:endParaRPr lang="en-US" sz="1800" dirty="0"/>
-          </a:p>
-          <a:p>
-            <a:r>
-              <a:rPr lang="en-US" sz="1800" dirty="0"/>
-              <a:t>The key to long term management of the virus is vaccination</a:t>
-            </a:r>
-          </a:p>
-          <a:p>
-            <a:endParaRPr lang="en-US" sz="1800" dirty="0"/>
-          </a:p>
-          <a:p>
-            <a:r>
-              <a:rPr lang="en-US" sz="1800" dirty="0"/>
-              <a:t>Vaccines are life saving -- protecting people from diseases such as Meningitis, HPV, Polio and Smallpox</a:t>
-            </a:r>
-          </a:p>
-          <a:p>
-            <a:endParaRPr lang="en-US" sz="1800" dirty="0"/>
-          </a:p>
-          <a:p>
-            <a:r>
-              <a:rPr lang="en-US" sz="1800" dirty="0"/>
-              <a:t>Many American </a:t>
-            </a:r>
-            <a:r>
-              <a:rPr lang="en-US" sz="1800" b="1" dirty="0"/>
-              <a:t>incorrectly</a:t>
-            </a:r>
-            <a:r>
-              <a:rPr lang="en-US" sz="1800" dirty="0"/>
-              <a:t>, and </a:t>
-            </a:r>
-            <a:r>
-              <a:rPr lang="en-US" sz="1800" b="1" dirty="0"/>
-              <a:t>dangerously</a:t>
-            </a:r>
-            <a:r>
-              <a:rPr lang="en-US" sz="1800" dirty="0"/>
-              <a:t>, believe vaccination is harmful instead of helpful</a:t>
-            </a:r>
-          </a:p>
-          <a:p>
-            <a:endParaRPr lang="en-US" sz="1800" dirty="0"/>
-          </a:p>
-          <a:p>
-            <a:endParaRPr lang="en-US" sz="1800" dirty="0"/>
-          </a:p>
-        </p:txBody>
-      </p:sp>
-      <p:sp>
-        <p:nvSpPr>
-          <p:cNvPr id="4" name="TextBox 3">
-            <a:extLst>
-              <a:ext uri="{FF2B5EF4-FFF2-40B4-BE49-F238E27FC236}">
-                <a16:creationId xmlns:a16="http://schemas.microsoft.com/office/drawing/2014/main" id="{6EEFC409-4E37-41CC-8BD7-77909BB4741C}"/>
-              </a:ext>
-            </a:extLst>
-          </p:cNvPr>
-          <p:cNvSpPr txBox="1"/>
-          <p:nvPr/>
-        </p:nvSpPr>
-        <p:spPr>
-          <a:xfrm>
-            <a:off x="10800044" y="6406901"/>
-            <a:ext cx="1565940" cy="369332"/>
-          </a:xfrm>
-          <a:prstGeom prst="rect">
-            <a:avLst/>
-          </a:prstGeom>
-          <a:noFill/>
-        </p:spPr>
-        <p:txBody>
-          <a:bodyPr wrap="square" rtlCol="0">
-            <a:spAutoFit/>
-          </a:bodyPr>
-          <a:lstStyle/>
-          <a:p>
-            <a:r>
-              <a:rPr lang="en-US" dirty="0"/>
-              <a:t>Matt</a:t>
-            </a:r>
-          </a:p>
-        </p:txBody>
-      </p:sp>
-    </p:spTree>
-    <p:extLst>
-      <p:ext uri="{BB962C8B-B14F-4D97-AF65-F5344CB8AC3E}">
-        <p14:creationId xmlns:p14="http://schemas.microsoft.com/office/powerpoint/2010/main" val="2148731775"/>
-      </p:ext>
-    </p:extLst>
-  </p:cSld>
-  <p:clrMapOvr>
-    <a:masterClrMapping/>
-  </p:clrMapOvr>
-</p:sld>
-</file>
-
-<file path=ppt/slides/slide3.xml><?xml version="1.0" encoding="utf-8"?>
-<p:sld xmlns:a="http://schemas.openxmlformats.org/drawingml/2006/main" xmlns:r="http://schemas.openxmlformats.org/officeDocument/2006/relationships" xmlns:p="http://schemas.openxmlformats.org/presentationml/2006/main">
-  <p:cSld>
-    <p:bg>
-      <p:bgPr>
-        <a:solidFill>
-          <a:schemeClr val="bg1"/>
-        </a:solidFill>
-        <a:effectLst/>
-      </p:bgPr>
-    </p:bg>
-    <p:spTree>
-      <p:nvGrpSpPr>
-        <p:cNvPr id="1" name=""/>
-        <p:cNvGrpSpPr/>
-        <p:nvPr/>
-      </p:nvGrpSpPr>
-      <p:grpSpPr>
-        <a:xfrm>
-          <a:off x="0" y="0"/>
-          <a:ext cx="0" cy="0"/>
-          <a:chOff x="0" y="0"/>
-          <a:chExt cx="0" cy="0"/>
-        </a:xfrm>
-      </p:grpSpPr>
-      <p:sp useBgFill="1">
-        <p:nvSpPr>
-          <p:cNvPr id="8" name="Rectangle 7">
-            <a:extLst>
-              <a:ext uri="{FF2B5EF4-FFF2-40B4-BE49-F238E27FC236}">
-                <a16:creationId xmlns:a16="http://schemas.microsoft.com/office/drawing/2014/main" id="{F837543A-6020-4505-A233-C9DB4BF74011}"/>
-              </a:ext>
-              <a:ext uri="{C183D7F6-B498-43B3-948B-1728B52AA6E4}">
-                <adec:decorative xmlns:adec="http://schemas.microsoft.com/office/drawing/2017/decorative" val="1"/>
-              </a:ext>
-            </a:extLst>
-          </p:cNvPr>
-          <p:cNvSpPr>
-            <a:spLocks noGrp="1" noRot="1" noChangeAspect="1" noMove="1" noResize="1" noEditPoints="1" noAdjustHandles="1" noChangeArrowheads="1" noChangeShapeType="1" noTextEdit="1"/>
-          </p:cNvSpPr>
-          <p:nvPr>
-            <p:extLst>
-              <p:ext uri="{386F3935-93C4-4BCD-93E2-E3B085C9AB24}">
-                <p16:designElem xmlns:p16="http://schemas.microsoft.com/office/powerpoint/2015/main" val="1"/>
-              </p:ext>
-            </p:extLst>
-          </p:nvPr>
-        </p:nvSpPr>
-        <p:spPr>
-          <a:xfrm>
-            <a:off x="3048" y="0"/>
-            <a:ext cx="12188952" cy="6858000"/>
-          </a:xfrm>
-          <a:prstGeom prst="rect">
-            <a:avLst/>
-          </a:prstGeom>
-          <a:ln>
-            <a:noFill/>
-          </a:ln>
-        </p:spPr>
-        <p:style>
-          <a:lnRef idx="2">
-            <a:schemeClr val="accent1">
-              <a:shade val="50000"/>
-            </a:schemeClr>
-          </a:lnRef>
-          <a:fillRef idx="1">
-            <a:schemeClr val="accent1"/>
-          </a:fillRef>
-          <a:effectRef idx="0">
-            <a:schemeClr val="accent1"/>
-          </a:effectRef>
-          <a:fontRef idx="minor">
-            <a:schemeClr val="lt1"/>
-          </a:fontRef>
-        </p:style>
-        <p:txBody>
-          <a:bodyPr rtlCol="0" anchor="ctr"/>
-          <a:lstStyle/>
-          <a:p>
-            <a:pPr algn="ctr"/>
-            <a:endParaRPr lang="en-US"/>
-          </a:p>
-        </p:txBody>
-      </p:sp>
-      <p:sp>
-        <p:nvSpPr>
-          <p:cNvPr id="2" name="Title 1">
-            <a:extLst>
-              <a:ext uri="{FF2B5EF4-FFF2-40B4-BE49-F238E27FC236}">
-                <a16:creationId xmlns:a16="http://schemas.microsoft.com/office/drawing/2014/main" id="{F3373AA9-1FA2-48A8-A905-157B3A4F5A28}"/>
-              </a:ext>
-            </a:extLst>
-          </p:cNvPr>
-          <p:cNvSpPr>
-            <a:spLocks noGrp="1"/>
-          </p:cNvSpPr>
-          <p:nvPr>
-            <p:ph type="title"/>
-          </p:nvPr>
-        </p:nvSpPr>
-        <p:spPr>
-          <a:xfrm>
-            <a:off x="838200" y="365125"/>
-            <a:ext cx="5558489" cy="1325563"/>
-          </a:xfrm>
-        </p:spPr>
-        <p:txBody>
-          <a:bodyPr>
-            <a:normAutofit/>
-          </a:bodyPr>
-          <a:lstStyle/>
-          <a:p>
-            <a:r>
-              <a:rPr lang="en-US" dirty="0"/>
-              <a:t>The Problem</a:t>
-            </a:r>
-          </a:p>
-        </p:txBody>
-      </p:sp>
-      <p:sp>
-        <p:nvSpPr>
-          <p:cNvPr id="10" name="Freeform: Shape 9">
-            <a:extLst>
-              <a:ext uri="{FF2B5EF4-FFF2-40B4-BE49-F238E27FC236}">
-                <a16:creationId xmlns:a16="http://schemas.microsoft.com/office/drawing/2014/main" id="{35B16301-FB18-48BA-A6DD-C37CAF6F9A18}"/>
-              </a:ext>
-              <a:ext uri="{C183D7F6-B498-43B3-948B-1728B52AA6E4}">
-                <adec:decorative xmlns:adec="http://schemas.microsoft.com/office/drawing/2017/decorative" val="1"/>
-              </a:ext>
-            </a:extLst>
-          </p:cNvPr>
-          <p:cNvSpPr>
-            <a:spLocks noGrp="1" noRot="1" noChangeAspect="1" noMove="1" noResize="1" noEditPoints="1" noAdjustHandles="1" noChangeArrowheads="1" noChangeShapeType="1" noTextEdit="1"/>
-          </p:cNvSpPr>
-          <p:nvPr>
-            <p:extLst>
-              <p:ext uri="{386F3935-93C4-4BCD-93E2-E3B085C9AB24}">
-                <p16:designElem xmlns:p16="http://schemas.microsoft.com/office/powerpoint/2015/main" val="1"/>
-              </p:ext>
-            </p:extLst>
-          </p:nvPr>
-        </p:nvSpPr>
-        <p:spPr>
-          <a:xfrm>
-            <a:off x="10208695" y="1"/>
-            <a:ext cx="1135066" cy="477997"/>
-          </a:xfrm>
-          <a:custGeom>
-            <a:avLst/>
-            <a:gdLst>
-              <a:gd name="connsiteX0" fmla="*/ 0 w 1135066"/>
-              <a:gd name="connsiteY0" fmla="*/ 0 h 477997"/>
-              <a:gd name="connsiteX1" fmla="*/ 1135066 w 1135066"/>
-              <a:gd name="connsiteY1" fmla="*/ 0 h 477997"/>
-              <a:gd name="connsiteX2" fmla="*/ 1133370 w 1135066"/>
-              <a:gd name="connsiteY2" fmla="*/ 16827 h 477997"/>
-              <a:gd name="connsiteX3" fmla="*/ 567533 w 1135066"/>
-              <a:gd name="connsiteY3" fmla="*/ 477997 h 477997"/>
-              <a:gd name="connsiteX4" fmla="*/ 1696 w 1135066"/>
-              <a:gd name="connsiteY4" fmla="*/ 16827 h 477997"/>
-            </a:gdLst>
-            <a:ahLst/>
-            <a:cxnLst>
-              <a:cxn ang="0">
-                <a:pos x="connsiteX0" y="connsiteY0"/>
-              </a:cxn>
-              <a:cxn ang="0">
-                <a:pos x="connsiteX1" y="connsiteY1"/>
-              </a:cxn>
-              <a:cxn ang="0">
-                <a:pos x="connsiteX2" y="connsiteY2"/>
-              </a:cxn>
-              <a:cxn ang="0">
-                <a:pos x="connsiteX3" y="connsiteY3"/>
-              </a:cxn>
-              <a:cxn ang="0">
-                <a:pos x="connsiteX4" y="connsiteY4"/>
-              </a:cxn>
-            </a:cxnLst>
-            <a:rect l="l" t="t" r="r" b="b"/>
-            <a:pathLst>
-              <a:path w="1135066" h="477997">
-                <a:moveTo>
-                  <a:pt x="0" y="0"/>
-                </a:moveTo>
-                <a:lnTo>
-                  <a:pt x="1135066" y="0"/>
-                </a:lnTo>
-                <a:lnTo>
-                  <a:pt x="1133370" y="16827"/>
-                </a:lnTo>
-                <a:cubicBezTo>
-                  <a:pt x="1079514" y="280016"/>
-                  <a:pt x="846644" y="477997"/>
-                  <a:pt x="567533" y="477997"/>
-                </a:cubicBezTo>
-                <a:cubicBezTo>
-                  <a:pt x="288422" y="477997"/>
-                  <a:pt x="55552" y="280016"/>
-                  <a:pt x="1696" y="16827"/>
-                </a:cubicBezTo>
-                <a:close/>
-              </a:path>
-            </a:pathLst>
-          </a:custGeom>
-          <a:solidFill>
-            <a:schemeClr val="accent5"/>
-          </a:solidFill>
-          <a:ln>
-            <a:noFill/>
-          </a:ln>
-        </p:spPr>
-        <p:style>
-          <a:lnRef idx="2">
-            <a:schemeClr val="accent1">
-              <a:shade val="50000"/>
-            </a:schemeClr>
-          </a:lnRef>
-          <a:fillRef idx="1">
-            <a:schemeClr val="accent1"/>
-          </a:fillRef>
-          <a:effectRef idx="0">
-            <a:schemeClr val="accent1"/>
-          </a:effectRef>
-          <a:fontRef idx="minor">
-            <a:schemeClr val="lt1"/>
-          </a:fontRef>
-        </p:style>
-        <p:txBody>
-          <a:bodyPr wrap="square" rtlCol="0" anchor="ctr">
-            <a:noAutofit/>
-          </a:bodyPr>
-          <a:lstStyle/>
-          <a:p>
-            <a:pPr algn="ctr"/>
-            <a:endParaRPr lang="en-US"/>
-          </a:p>
-        </p:txBody>
-      </p:sp>
-      <p:sp>
-        <p:nvSpPr>
-          <p:cNvPr id="3" name="Content Placeholder 2">
-            <a:extLst>
-              <a:ext uri="{FF2B5EF4-FFF2-40B4-BE49-F238E27FC236}">
-                <a16:creationId xmlns:a16="http://schemas.microsoft.com/office/drawing/2014/main" id="{D00D3313-DD5C-426E-BAE3-F952A7A07E21}"/>
-              </a:ext>
-            </a:extLst>
-          </p:cNvPr>
-          <p:cNvSpPr>
-            <a:spLocks noGrp="1"/>
-          </p:cNvSpPr>
-          <p:nvPr>
-            <p:ph idx="1"/>
-          </p:nvPr>
-        </p:nvSpPr>
-        <p:spPr>
-          <a:xfrm>
-            <a:off x="838200" y="1825625"/>
-            <a:ext cx="5558489" cy="4351338"/>
-          </a:xfrm>
-        </p:spPr>
-        <p:txBody>
-          <a:bodyPr>
-            <a:normAutofit/>
-          </a:bodyPr>
-          <a:lstStyle/>
-          <a:p>
-            <a:r>
-              <a:rPr lang="en-US" dirty="0"/>
-              <a:t>We need to know </a:t>
-            </a:r>
-            <a:r>
-              <a:rPr lang="en-US" b="1" dirty="0"/>
-              <a:t>who would</a:t>
-            </a:r>
-            <a:r>
-              <a:rPr lang="en-US" dirty="0"/>
-              <a:t> and </a:t>
-            </a:r>
-            <a:r>
-              <a:rPr lang="en-US" b="1" dirty="0"/>
-              <a:t>who wouldn’t </a:t>
-            </a:r>
-            <a:r>
-              <a:rPr lang="en-US" dirty="0"/>
-              <a:t>get a vaccine to appropriately plan and execute the vaccination program roll-out</a:t>
-            </a:r>
-          </a:p>
-          <a:p>
-            <a:pPr lvl="1"/>
-            <a:endParaRPr lang="en-US" dirty="0"/>
-          </a:p>
-        </p:txBody>
-      </p:sp>
-      <p:sp>
-        <p:nvSpPr>
-          <p:cNvPr id="12" name="Oval 11">
-            <a:extLst>
-              <a:ext uri="{FF2B5EF4-FFF2-40B4-BE49-F238E27FC236}">
-                <a16:creationId xmlns:a16="http://schemas.microsoft.com/office/drawing/2014/main" id="{C3C0D90E-074A-4F52-9B11-B52BEF4BCBE5}"/>
-              </a:ext>
-              <a:ext uri="{C183D7F6-B498-43B3-948B-1728B52AA6E4}">
-                <adec:decorative xmlns:adec="http://schemas.microsoft.com/office/drawing/2017/decorative" val="1"/>
-              </a:ext>
-            </a:extLst>
-          </p:cNvPr>
-          <p:cNvSpPr>
-            <a:spLocks noGrp="1" noRot="1" noChangeAspect="1" noMove="1" noResize="1" noEditPoints="1" noAdjustHandles="1" noChangeArrowheads="1" noChangeShapeType="1" noTextEdit="1"/>
-          </p:cNvSpPr>
-          <p:nvPr>
-            <p:extLst>
-              <p:ext uri="{386F3935-93C4-4BCD-93E2-E3B085C9AB24}">
-                <p16:designElem xmlns:p16="http://schemas.microsoft.com/office/powerpoint/2015/main" val="1"/>
-              </p:ext>
-            </p:extLst>
-          </p:nvPr>
-        </p:nvSpPr>
-        <p:spPr>
-          <a:xfrm>
-            <a:off x="6821310" y="2624479"/>
-            <a:ext cx="812427" cy="812427"/>
-          </a:xfrm>
-          <a:prstGeom prst="ellipse">
-            <a:avLst/>
-          </a:prstGeom>
-          <a:noFill/>
-          <a:ln w="127000">
-            <a:solidFill>
-              <a:schemeClr val="accent5"/>
-            </a:solidFill>
-          </a:ln>
-        </p:spPr>
-        <p:style>
-          <a:lnRef idx="2">
-            <a:schemeClr val="accent1">
-              <a:shade val="50000"/>
-            </a:schemeClr>
-          </a:lnRef>
-          <a:fillRef idx="1">
-            <a:schemeClr val="accent1"/>
-          </a:fillRef>
-          <a:effectRef idx="0">
-            <a:schemeClr val="accent1"/>
-          </a:effectRef>
-          <a:fontRef idx="minor">
-            <a:schemeClr val="lt1"/>
-          </a:fontRef>
-        </p:style>
-        <p:txBody>
-          <a:bodyPr rtlCol="0" anchor="ctr"/>
-          <a:lstStyle/>
-          <a:p>
-            <a:pPr algn="ctr"/>
-            <a:endParaRPr lang="en-US" dirty="0"/>
-          </a:p>
-        </p:txBody>
-      </p:sp>
-      <p:sp>
-        <p:nvSpPr>
-          <p:cNvPr id="14" name="Block Arc 13">
-            <a:extLst>
-              <a:ext uri="{FF2B5EF4-FFF2-40B4-BE49-F238E27FC236}">
-                <a16:creationId xmlns:a16="http://schemas.microsoft.com/office/drawing/2014/main" id="{CABBD4C1-E6F8-46F6-8152-A8A97490BF4D}"/>
-              </a:ext>
-              <a:ext uri="{C183D7F6-B498-43B3-948B-1728B52AA6E4}">
-                <adec:decorative xmlns:adec="http://schemas.microsoft.com/office/drawing/2017/decorative" val="1"/>
-              </a:ext>
-            </a:extLst>
-          </p:cNvPr>
-          <p:cNvSpPr>
-            <a:spLocks noGrp="1" noRot="1" noChangeAspect="1" noMove="1" noResize="1" noEditPoints="1" noAdjustHandles="1" noChangeArrowheads="1" noChangeShapeType="1" noTextEdit="1"/>
-          </p:cNvSpPr>
-          <p:nvPr>
-            <p:extLst>
-              <p:ext uri="{386F3935-93C4-4BCD-93E2-E3B085C9AB24}">
-                <p16:designElem xmlns:p16="http://schemas.microsoft.com/office/powerpoint/2015/main" val="1"/>
-              </p:ext>
-            </p:extLst>
-          </p:nvPr>
-        </p:nvSpPr>
-        <p:spPr>
-          <a:xfrm rot="16200000">
-            <a:off x="8912417" y="1218531"/>
-            <a:ext cx="2387600" cy="2387600"/>
-          </a:xfrm>
-          <a:prstGeom prst="blockArc">
-            <a:avLst/>
-          </a:prstGeom>
-          <a:solidFill>
-            <a:schemeClr val="accent2"/>
-          </a:solidFill>
-          <a:ln>
-            <a:noFill/>
-          </a:ln>
-        </p:spPr>
-        <p:style>
-          <a:lnRef idx="2">
-            <a:schemeClr val="accent1">
-              <a:shade val="50000"/>
-            </a:schemeClr>
-          </a:lnRef>
-          <a:fillRef idx="1">
-            <a:schemeClr val="accent1"/>
-          </a:fillRef>
-          <a:effectRef idx="0">
-            <a:schemeClr val="accent1"/>
-          </a:effectRef>
-          <a:fontRef idx="minor">
-            <a:schemeClr val="lt1"/>
-          </a:fontRef>
-        </p:style>
-        <p:txBody>
-          <a:bodyPr rtlCol="0" anchor="ctr"/>
-          <a:lstStyle/>
-          <a:p>
-            <a:pPr algn="ctr"/>
-            <a:endParaRPr lang="en-US">
-              <a:solidFill>
-                <a:schemeClr val="tx1"/>
-              </a:solidFill>
-            </a:endParaRPr>
-          </a:p>
-        </p:txBody>
-      </p:sp>
-      <p:sp>
-        <p:nvSpPr>
-          <p:cNvPr id="16" name="Freeform: Shape 15">
-            <a:extLst>
-              <a:ext uri="{FF2B5EF4-FFF2-40B4-BE49-F238E27FC236}">
-                <a16:creationId xmlns:a16="http://schemas.microsoft.com/office/drawing/2014/main" id="{83BA5EF5-1FE9-4BF9-83BB-269BCDDF6156}"/>
-              </a:ext>
-              <a:ext uri="{C183D7F6-B498-43B3-948B-1728B52AA6E4}">
-                <adec:decorative xmlns:adec="http://schemas.microsoft.com/office/drawing/2017/decorative" val="1"/>
-              </a:ext>
-            </a:extLst>
-          </p:cNvPr>
-          <p:cNvSpPr>
-            <a:spLocks noGrp="1" noRot="1" noChangeAspect="1" noMove="1" noResize="1" noEditPoints="1" noAdjustHandles="1" noChangeArrowheads="1" noChangeShapeType="1" noTextEdit="1"/>
-          </p:cNvSpPr>
-          <p:nvPr>
-            <p:extLst>
-              <p:ext uri="{386F3935-93C4-4BCD-93E2-E3B085C9AB24}">
-                <p16:designElem xmlns:p16="http://schemas.microsoft.com/office/powerpoint/2015/main" val="1"/>
-              </p:ext>
-            </p:extLst>
-          </p:nvPr>
-        </p:nvSpPr>
-        <p:spPr>
-          <a:xfrm>
-            <a:off x="6821310" y="0"/>
-            <a:ext cx="2315251" cy="1550992"/>
-          </a:xfrm>
-          <a:custGeom>
-            <a:avLst/>
-            <a:gdLst>
-              <a:gd name="connsiteX0" fmla="*/ 0 w 2315251"/>
-              <a:gd name="connsiteY0" fmla="*/ 0 h 1550992"/>
-              <a:gd name="connsiteX1" fmla="*/ 138700 w 2315251"/>
-              <a:gd name="connsiteY1" fmla="*/ 0 h 1550992"/>
-              <a:gd name="connsiteX2" fmla="*/ 138700 w 2315251"/>
-              <a:gd name="connsiteY2" fmla="*/ 1361400 h 1550992"/>
-              <a:gd name="connsiteX3" fmla="*/ 2107387 w 2315251"/>
-              <a:gd name="connsiteY3" fmla="*/ 222673 h 1550992"/>
-              <a:gd name="connsiteX4" fmla="*/ 1722420 w 2315251"/>
-              <a:gd name="connsiteY4" fmla="*/ 0 h 1550992"/>
-              <a:gd name="connsiteX5" fmla="*/ 1999436 w 2315251"/>
-              <a:gd name="connsiteY5" fmla="*/ 0 h 1550992"/>
-              <a:gd name="connsiteX6" fmla="*/ 2280549 w 2315251"/>
-              <a:gd name="connsiteY6" fmla="*/ 162605 h 1550992"/>
-              <a:gd name="connsiteX7" fmla="*/ 2305953 w 2315251"/>
-              <a:gd name="connsiteY7" fmla="*/ 257336 h 1550992"/>
-              <a:gd name="connsiteX8" fmla="*/ 2280549 w 2315251"/>
-              <a:gd name="connsiteY8" fmla="*/ 282740 h 1550992"/>
-              <a:gd name="connsiteX9" fmla="*/ 104026 w 2315251"/>
-              <a:gd name="connsiteY9" fmla="*/ 1541710 h 1550992"/>
-              <a:gd name="connsiteX10" fmla="*/ 69351 w 2315251"/>
-              <a:gd name="connsiteY10" fmla="*/ 1550992 h 1550992"/>
-              <a:gd name="connsiteX11" fmla="*/ 0 w 2315251"/>
-              <a:gd name="connsiteY11" fmla="*/ 1481643 h 1550992"/>
-            </a:gdLst>
-            <a:ahLst/>
-            <a:cxnLst>
-              <a:cxn ang="0">
-                <a:pos x="connsiteX0" y="connsiteY0"/>
-              </a:cxn>
-              <a:cxn ang="0">
-                <a:pos x="connsiteX1" y="connsiteY1"/>
-              </a:cxn>
-              <a:cxn ang="0">
-                <a:pos x="connsiteX2" y="connsiteY2"/>
-              </a:cxn>
-              <a:cxn ang="0">
-                <a:pos x="connsiteX3" y="connsiteY3"/>
-              </a:cxn>
-              <a:cxn ang="0">
-                <a:pos x="connsiteX4" y="connsiteY4"/>
-              </a:cxn>
-              <a:cxn ang="0">
-                <a:pos x="connsiteX5" y="connsiteY5"/>
-              </a:cxn>
-              <a:cxn ang="0">
-                <a:pos x="connsiteX6" y="connsiteY6"/>
-              </a:cxn>
-              <a:cxn ang="0">
-                <a:pos x="connsiteX7" y="connsiteY7"/>
-              </a:cxn>
-              <a:cxn ang="0">
-                <a:pos x="connsiteX8" y="connsiteY8"/>
-              </a:cxn>
-              <a:cxn ang="0">
-                <a:pos x="connsiteX9" y="connsiteY9"/>
-              </a:cxn>
-              <a:cxn ang="0">
-                <a:pos x="connsiteX10" y="connsiteY10"/>
-              </a:cxn>
-              <a:cxn ang="0">
-                <a:pos x="connsiteX11" y="connsiteY11"/>
-              </a:cxn>
-            </a:cxnLst>
-            <a:rect l="l" t="t" r="r" b="b"/>
-            <a:pathLst>
-              <a:path w="2315251" h="1550992">
-                <a:moveTo>
-                  <a:pt x="0" y="0"/>
-                </a:moveTo>
-                <a:lnTo>
-                  <a:pt x="138700" y="0"/>
-                </a:lnTo>
-                <a:lnTo>
-                  <a:pt x="138700" y="1361400"/>
-                </a:lnTo>
-                <a:lnTo>
-                  <a:pt x="2107387" y="222673"/>
-                </a:lnTo>
-                <a:lnTo>
-                  <a:pt x="1722420" y="0"/>
-                </a:lnTo>
-                <a:lnTo>
-                  <a:pt x="1999436" y="0"/>
-                </a:lnTo>
-                <a:lnTo>
-                  <a:pt x="2280549" y="162605"/>
-                </a:lnTo>
-                <a:cubicBezTo>
-                  <a:pt x="2313720" y="181745"/>
-                  <a:pt x="2325104" y="224155"/>
-                  <a:pt x="2305953" y="257336"/>
-                </a:cubicBezTo>
-                <a:cubicBezTo>
-                  <a:pt x="2299872" y="267889"/>
-                  <a:pt x="2291101" y="276648"/>
-                  <a:pt x="2280549" y="282740"/>
-                </a:cubicBezTo>
-                <a:lnTo>
-                  <a:pt x="104026" y="1541710"/>
-                </a:lnTo>
-                <a:cubicBezTo>
-                  <a:pt x="93484" y="1547802"/>
-                  <a:pt x="81523" y="1551003"/>
-                  <a:pt x="69351" y="1550992"/>
-                </a:cubicBezTo>
-                <a:cubicBezTo>
-                  <a:pt x="31049" y="1550992"/>
-                  <a:pt x="0" y="1519944"/>
-                  <a:pt x="0" y="1481643"/>
-                </a:cubicBezTo>
-                <a:close/>
-              </a:path>
-            </a:pathLst>
-          </a:custGeom>
-          <a:solidFill>
-            <a:schemeClr val="accent6"/>
-          </a:solidFill>
-          <a:ln w="9525" cap="flat">
-            <a:noFill/>
-            <a:prstDash val="solid"/>
-            <a:miter/>
-          </a:ln>
-        </p:spPr>
-        <p:txBody>
-          <a:bodyPr rtlCol="0" anchor="ctr"/>
-          <a:lstStyle/>
-          <a:p>
-            <a:endParaRPr lang="en-US" dirty="0"/>
-          </a:p>
-        </p:txBody>
-      </p:sp>
-      <p:cxnSp>
-        <p:nvCxnSpPr>
-          <p:cNvPr id="18" name="Straight Connector 17">
-            <a:extLst>
-              <a:ext uri="{FF2B5EF4-FFF2-40B4-BE49-F238E27FC236}">
-                <a16:creationId xmlns:a16="http://schemas.microsoft.com/office/drawing/2014/main" id="{4B3BCACB-5880-460B-9606-8C433A9AF99D}"/>
-              </a:ext>
-              <a:ext uri="{C183D7F6-B498-43B3-948B-1728B52AA6E4}">
-                <adec:decorative xmlns:adec="http://schemas.microsoft.com/office/drawing/2017/decorative" val="1"/>
-              </a:ext>
-            </a:extLst>
-          </p:cNvPr>
-          <p:cNvCxnSpPr>
-            <a:cxnSpLocks noGrp="1" noRot="1" noChangeAspect="1" noMove="1" noResize="1" noEditPoints="1" noAdjustHandles="1" noChangeArrowheads="1" noChangeShapeType="1"/>
-          </p:cNvCxnSpPr>
-          <p:nvPr>
-            <p:extLst>
-              <p:ext uri="{386F3935-93C4-4BCD-93E2-E3B085C9AB24}">
-                <p16:designElem xmlns:p16="http://schemas.microsoft.com/office/powerpoint/2015/main" val="1"/>
-              </p:ext>
-            </p:extLst>
-          </p:nvPr>
-        </p:nvCxnSpPr>
-        <p:spPr>
-          <a:xfrm>
-            <a:off x="11724638" y="1331572"/>
-            <a:ext cx="0" cy="1597708"/>
-          </a:xfrm>
-          <a:prstGeom prst="line">
-            <a:avLst/>
-          </a:prstGeom>
-          <a:ln w="127000" cap="rnd">
-            <a:solidFill>
-              <a:schemeClr val="accent4"/>
-            </a:solidFill>
-            <a:prstDash val="dash"/>
-          </a:ln>
-        </p:spPr>
-        <p:style>
-          <a:lnRef idx="1">
-            <a:schemeClr val="accent1"/>
-          </a:lnRef>
-          <a:fillRef idx="0">
-            <a:schemeClr val="accent1"/>
-          </a:fillRef>
-          <a:effectRef idx="0">
-            <a:schemeClr val="accent1"/>
-          </a:effectRef>
-          <a:fontRef idx="minor">
-            <a:schemeClr val="tx1"/>
-          </a:fontRef>
-        </p:style>
-      </p:cxnSp>
-      <p:sp>
-        <p:nvSpPr>
-          <p:cNvPr id="20" name="Freeform: Shape 19">
-            <a:extLst>
-              <a:ext uri="{FF2B5EF4-FFF2-40B4-BE49-F238E27FC236}">
-                <a16:creationId xmlns:a16="http://schemas.microsoft.com/office/drawing/2014/main" id="{88853921-7BC9-4BDE-ACAB-133C683C82D6}"/>
-              </a:ext>
-              <a:ext uri="{C183D7F6-B498-43B3-948B-1728B52AA6E4}">
-                <adec:decorative xmlns:adec="http://schemas.microsoft.com/office/drawing/2017/decorative" val="1"/>
-              </a:ext>
-            </a:extLst>
-          </p:cNvPr>
-          <p:cNvSpPr>
-            <a:spLocks noGrp="1" noRot="1" noChangeAspect="1" noMove="1" noResize="1" noEditPoints="1" noAdjustHandles="1" noChangeArrowheads="1" noChangeShapeType="1" noTextEdit="1"/>
-          </p:cNvSpPr>
-          <p:nvPr>
-            <p:extLst>
-              <p:ext uri="{386F3935-93C4-4BCD-93E2-E3B085C9AB24}">
-                <p16:designElem xmlns:p16="http://schemas.microsoft.com/office/powerpoint/2015/main" val="1"/>
-              </p:ext>
-            </p:extLst>
-          </p:nvPr>
-        </p:nvSpPr>
-        <p:spPr>
-          <a:xfrm>
-            <a:off x="11005550" y="4112081"/>
-            <a:ext cx="1186451" cy="1771650"/>
-          </a:xfrm>
-          <a:custGeom>
-            <a:avLst/>
-            <a:gdLst>
-              <a:gd name="connsiteX0" fmla="*/ 61913 w 1186451"/>
-              <a:gd name="connsiteY0" fmla="*/ 0 h 1771650"/>
-              <a:gd name="connsiteX1" fmla="*/ 1186451 w 1186451"/>
-              <a:gd name="connsiteY1" fmla="*/ 0 h 1771650"/>
-              <a:gd name="connsiteX2" fmla="*/ 1186451 w 1186451"/>
-              <a:gd name="connsiteY2" fmla="*/ 123825 h 1771650"/>
-              <a:gd name="connsiteX3" fmla="*/ 123825 w 1186451"/>
-              <a:gd name="connsiteY3" fmla="*/ 123825 h 1771650"/>
-              <a:gd name="connsiteX4" fmla="*/ 123825 w 1186451"/>
-              <a:gd name="connsiteY4" fmla="*/ 1647825 h 1771650"/>
-              <a:gd name="connsiteX5" fmla="*/ 1186451 w 1186451"/>
-              <a:gd name="connsiteY5" fmla="*/ 1647825 h 1771650"/>
-              <a:gd name="connsiteX6" fmla="*/ 1186451 w 1186451"/>
-              <a:gd name="connsiteY6" fmla="*/ 1771650 h 1771650"/>
-              <a:gd name="connsiteX7" fmla="*/ 61913 w 1186451"/>
-              <a:gd name="connsiteY7" fmla="*/ 1771650 h 1771650"/>
-              <a:gd name="connsiteX8" fmla="*/ 0 w 1186451"/>
-              <a:gd name="connsiteY8" fmla="*/ 1709738 h 1771650"/>
-              <a:gd name="connsiteX9" fmla="*/ 0 w 1186451"/>
-              <a:gd name="connsiteY9" fmla="*/ 61913 h 1771650"/>
-              <a:gd name="connsiteX10" fmla="*/ 61913 w 1186451"/>
-              <a:gd name="connsiteY10" fmla="*/ 0 h 1771650"/>
-            </a:gdLst>
-            <a:ahLst/>
-            <a:cxnLst>
-              <a:cxn ang="0">
-                <a:pos x="connsiteX0" y="connsiteY0"/>
-              </a:cxn>
-              <a:cxn ang="0">
-                <a:pos x="connsiteX1" y="connsiteY1"/>
-              </a:cxn>
-              <a:cxn ang="0">
-                <a:pos x="connsiteX2" y="connsiteY2"/>
-              </a:cxn>
-              <a:cxn ang="0">
-                <a:pos x="connsiteX3" y="connsiteY3"/>
-              </a:cxn>
-              <a:cxn ang="0">
-                <a:pos x="connsiteX4" y="connsiteY4"/>
-              </a:cxn>
-              <a:cxn ang="0">
-                <a:pos x="connsiteX5" y="connsiteY5"/>
-              </a:cxn>
-              <a:cxn ang="0">
-                <a:pos x="connsiteX6" y="connsiteY6"/>
-              </a:cxn>
-              <a:cxn ang="0">
-                <a:pos x="connsiteX7" y="connsiteY7"/>
-              </a:cxn>
-              <a:cxn ang="0">
-                <a:pos x="connsiteX8" y="connsiteY8"/>
-              </a:cxn>
-              <a:cxn ang="0">
-                <a:pos x="connsiteX9" y="connsiteY9"/>
-              </a:cxn>
-              <a:cxn ang="0">
-                <a:pos x="connsiteX10" y="connsiteY10"/>
-              </a:cxn>
-            </a:cxnLst>
-            <a:rect l="l" t="t" r="r" b="b"/>
-            <a:pathLst>
-              <a:path w="1186451" h="1771650">
-                <a:moveTo>
-                  <a:pt x="61913" y="0"/>
-                </a:moveTo>
-                <a:lnTo>
-                  <a:pt x="1186451" y="0"/>
-                </a:lnTo>
-                <a:lnTo>
-                  <a:pt x="1186451" y="123825"/>
-                </a:lnTo>
-                <a:lnTo>
-                  <a:pt x="123825" y="123825"/>
-                </a:lnTo>
-                <a:lnTo>
-                  <a:pt x="123825" y="1647825"/>
-                </a:lnTo>
-                <a:lnTo>
-                  <a:pt x="1186451" y="1647825"/>
-                </a:lnTo>
-                <a:lnTo>
-                  <a:pt x="1186451" y="1771650"/>
-                </a:lnTo>
-                <a:lnTo>
-                  <a:pt x="61913" y="1771650"/>
-                </a:lnTo>
-                <a:cubicBezTo>
-                  <a:pt x="27719" y="1771650"/>
-                  <a:pt x="0" y="1743932"/>
-                  <a:pt x="0" y="1709738"/>
-                </a:cubicBezTo>
-                <a:lnTo>
-                  <a:pt x="0" y="61913"/>
-                </a:lnTo>
-                <a:cubicBezTo>
-                  <a:pt x="0" y="27719"/>
-                  <a:pt x="27719" y="0"/>
-                  <a:pt x="61913" y="0"/>
-                </a:cubicBezTo>
-                <a:close/>
-              </a:path>
-            </a:pathLst>
-          </a:custGeom>
-          <a:solidFill>
-            <a:schemeClr val="accent6"/>
-          </a:solidFill>
-          <a:ln w="9525" cap="flat">
-            <a:noFill/>
-            <a:prstDash val="solid"/>
-            <a:miter/>
-          </a:ln>
-        </p:spPr>
-        <p:txBody>
-          <a:bodyPr rtlCol="0" anchor="ctr"/>
-          <a:lstStyle/>
-          <a:p>
-            <a:endParaRPr lang="en-US"/>
-          </a:p>
-        </p:txBody>
-      </p:sp>
-      <p:sp>
-        <p:nvSpPr>
-          <p:cNvPr id="22" name="Arc 21">
-            <a:extLst>
-              <a:ext uri="{FF2B5EF4-FFF2-40B4-BE49-F238E27FC236}">
-                <a16:creationId xmlns:a16="http://schemas.microsoft.com/office/drawing/2014/main" id="{09192968-3AE7-4470-A61C-97294BB92731}"/>
-              </a:ext>
-              <a:ext uri="{C183D7F6-B498-43B3-948B-1728B52AA6E4}">
-                <adec:decorative xmlns:adec="http://schemas.microsoft.com/office/drawing/2017/decorative" val="1"/>
-              </a:ext>
-            </a:extLst>
-          </p:cNvPr>
-          <p:cNvSpPr>
-            <a:spLocks noGrp="1" noRot="1" noChangeAspect="1" noMove="1" noResize="1" noEditPoints="1" noAdjustHandles="1" noChangeArrowheads="1" noChangeShapeType="1" noTextEdit="1"/>
-          </p:cNvSpPr>
-          <p:nvPr>
-            <p:extLst>
-              <p:ext uri="{386F3935-93C4-4BCD-93E2-E3B085C9AB24}">
-                <p16:designElem xmlns:p16="http://schemas.microsoft.com/office/powerpoint/2015/main" val="1"/>
-              </p:ext>
-            </p:extLst>
-          </p:nvPr>
-        </p:nvSpPr>
-        <p:spPr>
-          <a:xfrm rot="20992895">
-            <a:off x="6086940" y="4145122"/>
-            <a:ext cx="4083433" cy="4083433"/>
-          </a:xfrm>
-          <a:prstGeom prst="arc">
-            <a:avLst/>
-          </a:prstGeom>
-          <a:ln w="127000" cap="rnd">
-            <a:solidFill>
-              <a:schemeClr val="accent4"/>
-            </a:solidFill>
-            <a:prstDash val="dash"/>
-          </a:ln>
-        </p:spPr>
-        <p:style>
-          <a:lnRef idx="1">
-            <a:schemeClr val="accent1"/>
-          </a:lnRef>
-          <a:fillRef idx="0">
-            <a:schemeClr val="accent1"/>
-          </a:fillRef>
-          <a:effectRef idx="0">
-            <a:schemeClr val="accent1"/>
-          </a:effectRef>
-          <a:fontRef idx="minor">
-            <a:schemeClr val="tx1"/>
-          </a:fontRef>
-        </p:style>
-        <p:txBody>
-          <a:bodyPr rtlCol="0" anchor="ctr"/>
-          <a:lstStyle/>
-          <a:p>
-            <a:pPr algn="ctr"/>
-            <a:endParaRPr lang="en-US" dirty="0"/>
-          </a:p>
-        </p:txBody>
-      </p:sp>
-      <p:sp>
-        <p:nvSpPr>
-          <p:cNvPr id="24" name="Freeform: Shape 23">
-            <a:extLst>
-              <a:ext uri="{FF2B5EF4-FFF2-40B4-BE49-F238E27FC236}">
-                <a16:creationId xmlns:a16="http://schemas.microsoft.com/office/drawing/2014/main" id="{3AB72E55-43E4-4356-BFE8-E2102CB0B505}"/>
-              </a:ext>
-              <a:ext uri="{C183D7F6-B498-43B3-948B-1728B52AA6E4}">
-                <adec:decorative xmlns:adec="http://schemas.microsoft.com/office/drawing/2017/decorative" val="1"/>
-              </a:ext>
-            </a:extLst>
-          </p:cNvPr>
-          <p:cNvSpPr>
-            <a:spLocks noGrp="1" noRot="1" noChangeAspect="1" noMove="1" noResize="1" noEditPoints="1" noAdjustHandles="1" noChangeArrowheads="1" noChangeShapeType="1" noTextEdit="1"/>
-          </p:cNvSpPr>
-          <p:nvPr>
-            <p:extLst>
-              <p:ext uri="{386F3935-93C4-4BCD-93E2-E3B085C9AB24}">
-                <p16:designElem xmlns:p16="http://schemas.microsoft.com/office/powerpoint/2015/main" val="1"/>
-              </p:ext>
-            </p:extLst>
-          </p:nvPr>
-        </p:nvSpPr>
-        <p:spPr>
-          <a:xfrm>
-            <a:off x="6821310" y="4962670"/>
-            <a:ext cx="2643352" cy="1895331"/>
-          </a:xfrm>
-          <a:custGeom>
-            <a:avLst/>
-            <a:gdLst>
-              <a:gd name="connsiteX0" fmla="*/ 1321676 w 2643352"/>
-              <a:gd name="connsiteY0" fmla="*/ 0 h 1895331"/>
-              <a:gd name="connsiteX1" fmla="*/ 2643352 w 2643352"/>
-              <a:gd name="connsiteY1" fmla="*/ 1321676 h 1895331"/>
-              <a:gd name="connsiteX2" fmla="*/ 2539488 w 2643352"/>
-              <a:gd name="connsiteY2" fmla="*/ 1836132 h 1895331"/>
-              <a:gd name="connsiteX3" fmla="*/ 2510970 w 2643352"/>
-              <a:gd name="connsiteY3" fmla="*/ 1895331 h 1895331"/>
-              <a:gd name="connsiteX4" fmla="*/ 132382 w 2643352"/>
-              <a:gd name="connsiteY4" fmla="*/ 1895331 h 1895331"/>
-              <a:gd name="connsiteX5" fmla="*/ 103864 w 2643352"/>
-              <a:gd name="connsiteY5" fmla="*/ 1836132 h 1895331"/>
-              <a:gd name="connsiteX6" fmla="*/ 0 w 2643352"/>
-              <a:gd name="connsiteY6" fmla="*/ 1321676 h 1895331"/>
-              <a:gd name="connsiteX7" fmla="*/ 1321676 w 2643352"/>
-              <a:gd name="connsiteY7" fmla="*/ 0 h 1895331"/>
-            </a:gdLst>
-            <a:ahLst/>
-            <a:cxnLst>
-              <a:cxn ang="0">
-                <a:pos x="connsiteX0" y="connsiteY0"/>
-              </a:cxn>
-              <a:cxn ang="0">
-                <a:pos x="connsiteX1" y="connsiteY1"/>
-              </a:cxn>
-              <a:cxn ang="0">
-                <a:pos x="connsiteX2" y="connsiteY2"/>
-              </a:cxn>
-              <a:cxn ang="0">
-                <a:pos x="connsiteX3" y="connsiteY3"/>
-              </a:cxn>
-              <a:cxn ang="0">
-                <a:pos x="connsiteX4" y="connsiteY4"/>
-              </a:cxn>
-              <a:cxn ang="0">
-                <a:pos x="connsiteX5" y="connsiteY5"/>
-              </a:cxn>
-              <a:cxn ang="0">
-                <a:pos x="connsiteX6" y="connsiteY6"/>
-              </a:cxn>
-              <a:cxn ang="0">
-                <a:pos x="connsiteX7" y="connsiteY7"/>
-              </a:cxn>
-            </a:cxnLst>
-            <a:rect l="l" t="t" r="r" b="b"/>
-            <a:pathLst>
-              <a:path w="2643352" h="1895331">
-                <a:moveTo>
-                  <a:pt x="1321676" y="0"/>
-                </a:moveTo>
-                <a:cubicBezTo>
-                  <a:pt x="2051617" y="0"/>
-                  <a:pt x="2643352" y="591735"/>
-                  <a:pt x="2643352" y="1321676"/>
-                </a:cubicBezTo>
-                <a:cubicBezTo>
-                  <a:pt x="2643352" y="1504161"/>
-                  <a:pt x="2606369" y="1678009"/>
-                  <a:pt x="2539488" y="1836132"/>
-                </a:cubicBezTo>
-                <a:lnTo>
-                  <a:pt x="2510970" y="1895331"/>
-                </a:lnTo>
-                <a:lnTo>
-                  <a:pt x="132382" y="1895331"/>
-                </a:lnTo>
-                <a:lnTo>
-                  <a:pt x="103864" y="1836132"/>
-                </a:lnTo>
-                <a:cubicBezTo>
-                  <a:pt x="36984" y="1678009"/>
-                  <a:pt x="0" y="1504161"/>
-                  <a:pt x="0" y="1321676"/>
-                </a:cubicBezTo>
-                <a:cubicBezTo>
-                  <a:pt x="0" y="591735"/>
-                  <a:pt x="591735" y="0"/>
-                  <a:pt x="1321676" y="0"/>
-                </a:cubicBezTo>
-                <a:close/>
-              </a:path>
-            </a:pathLst>
-          </a:custGeom>
-          <a:solidFill>
-            <a:schemeClr val="accent2"/>
-          </a:solidFill>
-          <a:ln>
-            <a:noFill/>
-          </a:ln>
-        </p:spPr>
-        <p:style>
-          <a:lnRef idx="2">
-            <a:schemeClr val="accent1">
-              <a:shade val="50000"/>
-            </a:schemeClr>
-          </a:lnRef>
-          <a:fillRef idx="1">
-            <a:schemeClr val="accent1"/>
-          </a:fillRef>
-          <a:effectRef idx="0">
-            <a:schemeClr val="accent1"/>
-          </a:effectRef>
-          <a:fontRef idx="minor">
-            <a:schemeClr val="lt1"/>
-          </a:fontRef>
-        </p:style>
-        <p:txBody>
-          <a:bodyPr rtlCol="0" anchor="ctr"/>
-          <a:lstStyle/>
-          <a:p>
-            <a:pPr algn="ctr"/>
-            <a:endParaRPr lang="en-US"/>
-          </a:p>
-        </p:txBody>
-      </p:sp>
       <p:sp>
         <p:nvSpPr>
           <p:cNvPr id="4" name="TextBox 3">
@@ -9297,12 +8726,12 @@
           <a:lstStyle/>
           <a:p>
             <a:r>
-              <a:rPr lang="en-US">
+              <a:rPr lang="en-US" dirty="0">
                 <a:solidFill>
                   <a:srgbClr val="FFFFFF"/>
                 </a:solidFill>
               </a:rPr>
-              <a:t>The Limitations</a:t>
+              <a:t>The Limitations of Our Solution</a:t>
             </a:r>
           </a:p>
         </p:txBody>
@@ -10375,6 +9804,202 @@
 </file>
 
 <file path=ppt/slides/slide6.xml><?xml version="1.0" encoding="utf-8"?>
+<p:sld xmlns:a="http://schemas.openxmlformats.org/drawingml/2006/main" xmlns:r="http://schemas.openxmlformats.org/officeDocument/2006/relationships" xmlns:p="http://schemas.openxmlformats.org/presentationml/2006/main" show="0">
+  <p:cSld>
+    <p:bg>
+      <p:bgPr>
+        <a:solidFill>
+          <a:schemeClr val="bg1"/>
+        </a:solidFill>
+        <a:effectLst/>
+      </p:bgPr>
+    </p:bg>
+    <p:spTree>
+      <p:nvGrpSpPr>
+        <p:cNvPr id="1" name=""/>
+        <p:cNvGrpSpPr/>
+        <p:nvPr/>
+      </p:nvGrpSpPr>
+      <p:grpSpPr>
+        <a:xfrm>
+          <a:off x="0" y="0"/>
+          <a:ext cx="0" cy="0"/>
+          <a:chOff x="0" y="0"/>
+          <a:chExt cx="0" cy="0"/>
+        </a:xfrm>
+      </p:grpSpPr>
+      <p:sp>
+        <p:nvSpPr>
+          <p:cNvPr id="2" name="Title 1">
+            <a:extLst>
+              <a:ext uri="{FF2B5EF4-FFF2-40B4-BE49-F238E27FC236}">
+                <a16:creationId xmlns:a16="http://schemas.microsoft.com/office/drawing/2014/main" id="{7CE0E28D-5F74-4D55-B950-BC71CECCEF04}"/>
+              </a:ext>
+            </a:extLst>
+          </p:cNvPr>
+          <p:cNvSpPr>
+            <a:spLocks noGrp="1"/>
+          </p:cNvSpPr>
+          <p:nvPr>
+            <p:ph type="title"/>
+          </p:nvPr>
+        </p:nvSpPr>
+        <p:spPr>
+          <a:xfrm>
+            <a:off x="1913468" y="365125"/>
+            <a:ext cx="9440332" cy="1325563"/>
+          </a:xfrm>
+        </p:spPr>
+        <p:txBody>
+          <a:bodyPr>
+            <a:normAutofit/>
+          </a:bodyPr>
+          <a:lstStyle/>
+          <a:p>
+            <a:r>
+              <a:rPr lang="en-US" sz="5400" dirty="0"/>
+              <a:t>Engaging with ML Predictions</a:t>
+            </a:r>
+          </a:p>
+        </p:txBody>
+      </p:sp>
+      <p:pic>
+        <p:nvPicPr>
+          <p:cNvPr id="28" name="Graphic 27" descr="Robot">
+            <a:extLst>
+              <a:ext uri="{FF2B5EF4-FFF2-40B4-BE49-F238E27FC236}">
+                <a16:creationId xmlns:a16="http://schemas.microsoft.com/office/drawing/2014/main" id="{3357397D-8612-4AF5-BCF9-1E808BF6129D}"/>
+              </a:ext>
+            </a:extLst>
+          </p:cNvPr>
+          <p:cNvPicPr>
+            <a:picLocks noChangeAspect="1"/>
+          </p:cNvPicPr>
+          <p:nvPr/>
+        </p:nvPicPr>
+        <p:blipFill>
+          <a:blip r:embed="rId2">
+            <a:extLst>
+              <a:ext uri="{28A0092B-C50C-407E-A947-70E740481C1C}">
+                <a14:useLocalDpi xmlns:a14="http://schemas.microsoft.com/office/drawing/2010/main" val="0"/>
+              </a:ext>
+              <a:ext uri="{96DAC541-7B7A-43D3-8B79-37D633B846F1}">
+                <asvg:svgBlip xmlns:asvg="http://schemas.microsoft.com/office/drawing/2016/SVG/main" r:embed="rId3"/>
+              </a:ext>
+            </a:extLst>
+          </a:blip>
+          <a:stretch>
+            <a:fillRect/>
+          </a:stretch>
+        </p:blipFill>
+        <p:spPr>
+          <a:xfrm>
+            <a:off x="838200" y="570706"/>
+            <a:ext cx="914400" cy="914400"/>
+          </a:xfrm>
+          <a:prstGeom prst="rect">
+            <a:avLst/>
+          </a:prstGeom>
+        </p:spPr>
+      </p:pic>
+      <p:sp>
+        <p:nvSpPr>
+          <p:cNvPr id="3" name="Content Placeholder 2">
+            <a:extLst>
+              <a:ext uri="{FF2B5EF4-FFF2-40B4-BE49-F238E27FC236}">
+                <a16:creationId xmlns:a16="http://schemas.microsoft.com/office/drawing/2014/main" id="{13418A87-B8DE-42DE-8BDA-CDDD784AA6B4}"/>
+              </a:ext>
+            </a:extLst>
+          </p:cNvPr>
+          <p:cNvSpPr>
+            <a:spLocks noGrp="1"/>
+          </p:cNvSpPr>
+          <p:nvPr>
+            <p:ph idx="1"/>
+          </p:nvPr>
+        </p:nvSpPr>
+        <p:spPr>
+          <a:xfrm>
+            <a:off x="838200" y="1825625"/>
+            <a:ext cx="10515600" cy="4351338"/>
+          </a:xfrm>
+        </p:spPr>
+        <p:txBody>
+          <a:bodyPr>
+            <a:normAutofit/>
+          </a:bodyPr>
+          <a:lstStyle/>
+          <a:p>
+            <a:r>
+              <a:rPr lang="en-US" dirty="0"/>
+              <a:t>Humans aren’t perfect, and neither are machines</a:t>
+            </a:r>
+          </a:p>
+          <a:p>
+            <a:r>
+              <a:rPr lang="en-US" dirty="0"/>
+              <a:t>Machines can organize more information in their heads and make consistent decisions</a:t>
+            </a:r>
+          </a:p>
+          <a:p>
+            <a:r>
+              <a:rPr lang="en-US" dirty="0"/>
+              <a:t>Humans can navigate gray areas and think strategically</a:t>
+            </a:r>
+          </a:p>
+          <a:p>
+            <a:r>
+              <a:rPr lang="en-US" dirty="0"/>
+              <a:t>So how can humans and machines compliment each other?</a:t>
+            </a:r>
+          </a:p>
+          <a:p>
+            <a:endParaRPr lang="en-US" dirty="0"/>
+          </a:p>
+          <a:p>
+            <a:pPr marL="0" indent="0" algn="ctr">
+              <a:buNone/>
+            </a:pPr>
+            <a:r>
+              <a:rPr lang="en-US" sz="3200" dirty="0"/>
+              <a:t>We designed a user interface to pit </a:t>
+            </a:r>
+            <a:r>
+              <a:rPr lang="en-US" sz="3200" b="1" dirty="0"/>
+              <a:t>human</a:t>
+            </a:r>
+            <a:r>
+              <a:rPr lang="en-US" sz="3200" dirty="0"/>
+              <a:t> against </a:t>
+            </a:r>
+            <a:r>
+              <a:rPr lang="en-US" sz="3200" b="1" dirty="0"/>
+              <a:t>machine</a:t>
+            </a:r>
+            <a:r>
+              <a:rPr lang="en-US" sz="3200" dirty="0"/>
+              <a:t> to highlight the relative strength and contributions of each</a:t>
+            </a:r>
+          </a:p>
+          <a:p>
+            <a:endParaRPr lang="en-US" dirty="0"/>
+          </a:p>
+        </p:txBody>
+      </p:sp>
+    </p:spTree>
+    <p:extLst>
+      <p:ext uri="{BB962C8B-B14F-4D97-AF65-F5344CB8AC3E}">
+        <p14:creationId xmlns:p14="http://schemas.microsoft.com/office/powerpoint/2010/main" val="4038533530"/>
+      </p:ext>
+    </p:extLst>
+  </p:cSld>
+  <p:clrMapOvr>
+    <a:masterClrMapping/>
+  </p:clrMapOvr>
+</p:sld>
+</file>
+
+<file path=ppt/slides/slide7.xml><?xml version="1.0" encoding="utf-8"?>
 <p:sld xmlns:a="http://schemas.openxmlformats.org/drawingml/2006/main" xmlns:r="http://schemas.openxmlformats.org/officeDocument/2006/relationships" xmlns:p="http://schemas.openxmlformats.org/presentationml/2006/main">
   <p:cSld>
     <p:bg>
@@ -10819,7 +10444,7 @@
 </p:sld>
 </file>
 
-<file path=ppt/slides/slide7.xml><?xml version="1.0" encoding="utf-8"?>
+<file path=ppt/slides/slide8.xml><?xml version="1.0" encoding="utf-8"?>
 <p:sld xmlns:a="http://schemas.openxmlformats.org/drawingml/2006/main" xmlns:r="http://schemas.openxmlformats.org/officeDocument/2006/relationships" xmlns:p="http://schemas.openxmlformats.org/presentationml/2006/main">
   <p:cSld>
     <p:bg>
@@ -11272,7 +10897,7 @@
 </p:sld>
 </file>
 
-<file path=ppt/slides/slide8.xml><?xml version="1.0" encoding="utf-8"?>
+<file path=ppt/slides/slide9.xml><?xml version="1.0" encoding="utf-8"?>
 <p:sld xmlns:a="http://schemas.openxmlformats.org/drawingml/2006/main" xmlns:r="http://schemas.openxmlformats.org/officeDocument/2006/relationships" xmlns:p="http://schemas.openxmlformats.org/presentationml/2006/main">
   <p:cSld>
     <p:bg>
@@ -11648,11 +11273,11 @@
             </a:r>
             <a:r>
               <a:rPr lang="en-US" dirty="0" err="1"/>
-              <a:t>GridSearch</a:t>
+              <a:t>GridSearchCV</a:t>
             </a:r>
             <a:r>
               <a:rPr lang="en-US" dirty="0"/>
-              <a:t> CV)</a:t>
+              <a:t>)</a:t>
             </a:r>
           </a:p>
           <a:p>
@@ -11667,11 +11292,11 @@
             </a:r>
             <a:r>
               <a:rPr lang="en-US" b="1" dirty="0" err="1"/>
-              <a:t>GridSearch</a:t>
+              <a:t>GridSearchCV</a:t>
             </a:r>
             <a:r>
               <a:rPr lang="en-US" b="1" dirty="0"/>
-              <a:t> CV, default optimal)</a:t>
+              <a:t>, default optimal)</a:t>
             </a:r>
           </a:p>
           <a:p>
@@ -11719,453 +11344,6 @@
     <p:extLst>
       <p:ext uri="{BB962C8B-B14F-4D97-AF65-F5344CB8AC3E}">
         <p14:creationId xmlns:p14="http://schemas.microsoft.com/office/powerpoint/2010/main" val="2159491892"/>
-      </p:ext>
-    </p:extLst>
-  </p:cSld>
-  <p:clrMapOvr>
-    <a:masterClrMapping/>
-  </p:clrMapOvr>
-</p:sld>
-</file>
-
-<file path=ppt/slides/slide9.xml><?xml version="1.0" encoding="utf-8"?>
-<p:sld xmlns:a="http://schemas.openxmlformats.org/drawingml/2006/main" xmlns:r="http://schemas.openxmlformats.org/officeDocument/2006/relationships" xmlns:p="http://schemas.openxmlformats.org/presentationml/2006/main">
-  <p:cSld>
-    <p:bg>
-      <p:bgPr>
-        <a:solidFill>
-          <a:schemeClr val="bg1"/>
-        </a:solidFill>
-        <a:effectLst/>
-      </p:bgPr>
-    </p:bg>
-    <p:spTree>
-      <p:nvGrpSpPr>
-        <p:cNvPr id="1" name=""/>
-        <p:cNvGrpSpPr/>
-        <p:nvPr/>
-      </p:nvGrpSpPr>
-      <p:grpSpPr>
-        <a:xfrm>
-          <a:off x="0" y="0"/>
-          <a:ext cx="0" cy="0"/>
-          <a:chOff x="0" y="0"/>
-          <a:chExt cx="0" cy="0"/>
-        </a:xfrm>
-      </p:grpSpPr>
-      <p:sp useBgFill="1">
-        <p:nvSpPr>
-          <p:cNvPr id="8" name="Rectangle 7">
-            <a:extLst>
-              <a:ext uri="{FF2B5EF4-FFF2-40B4-BE49-F238E27FC236}">
-                <a16:creationId xmlns:a16="http://schemas.microsoft.com/office/drawing/2014/main" id="{1BB867FF-FC45-48F7-8104-F89BE54909F1}"/>
-              </a:ext>
-              <a:ext uri="{C183D7F6-B498-43B3-948B-1728B52AA6E4}">
-                <adec:decorative xmlns:adec="http://schemas.microsoft.com/office/drawing/2017/decorative" val="1"/>
-              </a:ext>
-            </a:extLst>
-          </p:cNvPr>
-          <p:cNvSpPr>
-            <a:spLocks noGrp="1" noRot="1" noChangeAspect="1" noMove="1" noResize="1" noEditPoints="1" noAdjustHandles="1" noChangeArrowheads="1" noChangeShapeType="1" noTextEdit="1"/>
-          </p:cNvSpPr>
-          <p:nvPr>
-            <p:extLst>
-              <p:ext uri="{386F3935-93C4-4BCD-93E2-E3B085C9AB24}">
-                <p16:designElem xmlns:p16="http://schemas.microsoft.com/office/powerpoint/2015/main" val="1"/>
-              </p:ext>
-            </p:extLst>
-          </p:nvPr>
-        </p:nvSpPr>
-        <p:spPr>
-          <a:xfrm>
-            <a:off x="3048" y="0"/>
-            <a:ext cx="12188952" cy="6858000"/>
-          </a:xfrm>
-          <a:prstGeom prst="rect">
-            <a:avLst/>
-          </a:prstGeom>
-          <a:ln>
-            <a:noFill/>
-          </a:ln>
-        </p:spPr>
-        <p:style>
-          <a:lnRef idx="2">
-            <a:schemeClr val="accent1">
-              <a:shade val="50000"/>
-            </a:schemeClr>
-          </a:lnRef>
-          <a:fillRef idx="1">
-            <a:schemeClr val="accent1"/>
-          </a:fillRef>
-          <a:effectRef idx="0">
-            <a:schemeClr val="accent1"/>
-          </a:effectRef>
-          <a:fontRef idx="minor">
-            <a:schemeClr val="lt1"/>
-          </a:fontRef>
-        </p:style>
-        <p:txBody>
-          <a:bodyPr rtlCol="0" anchor="ctr"/>
-          <a:lstStyle/>
-          <a:p>
-            <a:pPr algn="ctr"/>
-            <a:endParaRPr lang="en-US"/>
-          </a:p>
-        </p:txBody>
-      </p:sp>
-      <p:sp>
-        <p:nvSpPr>
-          <p:cNvPr id="10" name="Freeform: Shape 9">
-            <a:extLst>
-              <a:ext uri="{FF2B5EF4-FFF2-40B4-BE49-F238E27FC236}">
-                <a16:creationId xmlns:a16="http://schemas.microsoft.com/office/drawing/2014/main" id="{8BB56887-D0D5-4F0C-9E19-7247EB83C8B7}"/>
-              </a:ext>
-              <a:ext uri="{C183D7F6-B498-43B3-948B-1728B52AA6E4}">
-                <adec:decorative xmlns:adec="http://schemas.microsoft.com/office/drawing/2017/decorative" val="1"/>
-              </a:ext>
-            </a:extLst>
-          </p:cNvPr>
-          <p:cNvSpPr>
-            <a:spLocks noGrp="1" noRot="1" noChangeAspect="1" noMove="1" noResize="1" noEditPoints="1" noAdjustHandles="1" noChangeArrowheads="1" noChangeShapeType="1" noTextEdit="1"/>
-          </p:cNvSpPr>
-          <p:nvPr>
-            <p:extLst>
-              <p:ext uri="{386F3935-93C4-4BCD-93E2-E3B085C9AB24}">
-                <p16:designElem xmlns:p16="http://schemas.microsoft.com/office/powerpoint/2015/main" val="1"/>
-              </p:ext>
-            </p:extLst>
-          </p:nvPr>
-        </p:nvSpPr>
-        <p:spPr>
-          <a:xfrm>
-            <a:off x="10208695" y="1"/>
-            <a:ext cx="1135066" cy="477997"/>
-          </a:xfrm>
-          <a:custGeom>
-            <a:avLst/>
-            <a:gdLst>
-              <a:gd name="connsiteX0" fmla="*/ 0 w 1135066"/>
-              <a:gd name="connsiteY0" fmla="*/ 0 h 477997"/>
-              <a:gd name="connsiteX1" fmla="*/ 1135066 w 1135066"/>
-              <a:gd name="connsiteY1" fmla="*/ 0 h 477997"/>
-              <a:gd name="connsiteX2" fmla="*/ 1133370 w 1135066"/>
-              <a:gd name="connsiteY2" fmla="*/ 16827 h 477997"/>
-              <a:gd name="connsiteX3" fmla="*/ 567533 w 1135066"/>
-              <a:gd name="connsiteY3" fmla="*/ 477997 h 477997"/>
-              <a:gd name="connsiteX4" fmla="*/ 1696 w 1135066"/>
-              <a:gd name="connsiteY4" fmla="*/ 16827 h 477997"/>
-            </a:gdLst>
-            <a:ahLst/>
-            <a:cxnLst>
-              <a:cxn ang="0">
-                <a:pos x="connsiteX0" y="connsiteY0"/>
-              </a:cxn>
-              <a:cxn ang="0">
-                <a:pos x="connsiteX1" y="connsiteY1"/>
-              </a:cxn>
-              <a:cxn ang="0">
-                <a:pos x="connsiteX2" y="connsiteY2"/>
-              </a:cxn>
-              <a:cxn ang="0">
-                <a:pos x="connsiteX3" y="connsiteY3"/>
-              </a:cxn>
-              <a:cxn ang="0">
-                <a:pos x="connsiteX4" y="connsiteY4"/>
-              </a:cxn>
-            </a:cxnLst>
-            <a:rect l="l" t="t" r="r" b="b"/>
-            <a:pathLst>
-              <a:path w="1135066" h="477997">
-                <a:moveTo>
-                  <a:pt x="0" y="0"/>
-                </a:moveTo>
-                <a:lnTo>
-                  <a:pt x="1135066" y="0"/>
-                </a:lnTo>
-                <a:lnTo>
-                  <a:pt x="1133370" y="16827"/>
-                </a:lnTo>
-                <a:cubicBezTo>
-                  <a:pt x="1079514" y="280016"/>
-                  <a:pt x="846644" y="477997"/>
-                  <a:pt x="567533" y="477997"/>
-                </a:cubicBezTo>
-                <a:cubicBezTo>
-                  <a:pt x="288422" y="477997"/>
-                  <a:pt x="55552" y="280016"/>
-                  <a:pt x="1696" y="16827"/>
-                </a:cubicBezTo>
-                <a:close/>
-              </a:path>
-            </a:pathLst>
-          </a:custGeom>
-          <a:solidFill>
-            <a:schemeClr val="accent4"/>
-          </a:solidFill>
-          <a:ln>
-            <a:noFill/>
-          </a:ln>
-        </p:spPr>
-        <p:style>
-          <a:lnRef idx="2">
-            <a:schemeClr val="accent1">
-              <a:shade val="50000"/>
-            </a:schemeClr>
-          </a:lnRef>
-          <a:fillRef idx="1">
-            <a:schemeClr val="accent1"/>
-          </a:fillRef>
-          <a:effectRef idx="0">
-            <a:schemeClr val="accent1"/>
-          </a:effectRef>
-          <a:fontRef idx="minor">
-            <a:schemeClr val="lt1"/>
-          </a:fontRef>
-        </p:style>
-        <p:txBody>
-          <a:bodyPr wrap="square" rtlCol="0" anchor="ctr">
-            <a:noAutofit/>
-          </a:bodyPr>
-          <a:lstStyle/>
-          <a:p>
-            <a:pPr algn="ctr"/>
-            <a:endParaRPr lang="en-US"/>
-          </a:p>
-        </p:txBody>
-      </p:sp>
-      <p:sp>
-        <p:nvSpPr>
-          <p:cNvPr id="2" name="Title 1">
-            <a:extLst>
-              <a:ext uri="{FF2B5EF4-FFF2-40B4-BE49-F238E27FC236}">
-                <a16:creationId xmlns:a16="http://schemas.microsoft.com/office/drawing/2014/main" id="{749C9F22-6D45-4089-9777-B1E1AC655C89}"/>
-              </a:ext>
-            </a:extLst>
-          </p:cNvPr>
-          <p:cNvSpPr>
-            <a:spLocks noGrp="1"/>
-          </p:cNvSpPr>
-          <p:nvPr>
-            <p:ph type="title"/>
-          </p:nvPr>
-        </p:nvSpPr>
-        <p:spPr>
-          <a:xfrm>
-            <a:off x="838200" y="365125"/>
-            <a:ext cx="10515600" cy="1325563"/>
-          </a:xfrm>
-        </p:spPr>
-        <p:txBody>
-          <a:bodyPr>
-            <a:normAutofit/>
-          </a:bodyPr>
-          <a:lstStyle/>
-          <a:p>
-            <a:r>
-              <a:rPr lang="en-US" dirty="0"/>
-              <a:t>The Approach</a:t>
-            </a:r>
-          </a:p>
-        </p:txBody>
-      </p:sp>
-      <p:sp>
-        <p:nvSpPr>
-          <p:cNvPr id="12" name="Arc 11">
-            <a:extLst>
-              <a:ext uri="{FF2B5EF4-FFF2-40B4-BE49-F238E27FC236}">
-                <a16:creationId xmlns:a16="http://schemas.microsoft.com/office/drawing/2014/main" id="{081E4A58-353D-44AE-B2FC-2A74E2E400F7}"/>
-              </a:ext>
-              <a:ext uri="{C183D7F6-B498-43B3-948B-1728B52AA6E4}">
-                <adec:decorative xmlns:adec="http://schemas.microsoft.com/office/drawing/2017/decorative" val="1"/>
-              </a:ext>
-            </a:extLst>
-          </p:cNvPr>
-          <p:cNvSpPr>
-            <a:spLocks noGrp="1" noRot="1" noChangeAspect="1" noMove="1" noResize="1" noEditPoints="1" noAdjustHandles="1" noChangeArrowheads="1" noChangeShapeType="1" noTextEdit="1"/>
-          </p:cNvSpPr>
-          <p:nvPr>
-            <p:extLst>
-              <p:ext uri="{386F3935-93C4-4BCD-93E2-E3B085C9AB24}">
-                <p16:designElem xmlns:p16="http://schemas.microsoft.com/office/powerpoint/2015/main" val="1"/>
-              </p:ext>
-            </p:extLst>
-          </p:nvPr>
-        </p:nvSpPr>
-        <p:spPr>
-          <a:xfrm rot="5400000" flipV="1">
-            <a:off x="555710" y="2183223"/>
-            <a:ext cx="4083433" cy="4083433"/>
-          </a:xfrm>
-          <a:prstGeom prst="arc">
-            <a:avLst/>
-          </a:prstGeom>
-          <a:ln w="127000" cap="rnd">
-            <a:solidFill>
-              <a:schemeClr val="accent4"/>
-            </a:solidFill>
-            <a:prstDash val="dash"/>
-          </a:ln>
-        </p:spPr>
-        <p:style>
-          <a:lnRef idx="1">
-            <a:schemeClr val="accent1"/>
-          </a:lnRef>
-          <a:fillRef idx="0">
-            <a:schemeClr val="accent1"/>
-          </a:fillRef>
-          <a:effectRef idx="0">
-            <a:schemeClr val="accent1"/>
-          </a:effectRef>
-          <a:fontRef idx="minor">
-            <a:schemeClr val="tx1"/>
-          </a:fontRef>
-        </p:style>
-        <p:txBody>
-          <a:bodyPr rtlCol="0" anchor="ctr"/>
-          <a:lstStyle/>
-          <a:p>
-            <a:pPr algn="ctr"/>
-            <a:endParaRPr lang="en-US" dirty="0"/>
-          </a:p>
-        </p:txBody>
-      </p:sp>
-      <p:sp>
-        <p:nvSpPr>
-          <p:cNvPr id="3" name="Content Placeholder 2">
-            <a:extLst>
-              <a:ext uri="{FF2B5EF4-FFF2-40B4-BE49-F238E27FC236}">
-                <a16:creationId xmlns:a16="http://schemas.microsoft.com/office/drawing/2014/main" id="{A5D60E94-C915-4171-941A-150943AD0704}"/>
-              </a:ext>
-            </a:extLst>
-          </p:cNvPr>
-          <p:cNvSpPr>
-            <a:spLocks noGrp="1"/>
-          </p:cNvSpPr>
-          <p:nvPr>
-            <p:ph idx="1"/>
-          </p:nvPr>
-        </p:nvSpPr>
-        <p:spPr>
-          <a:xfrm>
-            <a:off x="838200" y="1825625"/>
-            <a:ext cx="10515600" cy="4351338"/>
-          </a:xfrm>
-        </p:spPr>
-        <p:txBody>
-          <a:bodyPr>
-            <a:normAutofit/>
-          </a:bodyPr>
-          <a:lstStyle/>
-          <a:p>
-            <a:r>
-              <a:rPr lang="en-US" dirty="0"/>
-              <a:t>Stage 4 – Model Prediction</a:t>
-            </a:r>
-          </a:p>
-          <a:p>
-            <a:pPr lvl="1"/>
-            <a:r>
-              <a:rPr lang="en-US" dirty="0"/>
-              <a:t>Make predictions based on test data set</a:t>
-            </a:r>
-          </a:p>
-          <a:p>
-            <a:pPr lvl="1"/>
-            <a:r>
-              <a:rPr lang="en-US" dirty="0"/>
-              <a:t>Store predictions in </a:t>
-            </a:r>
-            <a:r>
-              <a:rPr lang="en-US" dirty="0" err="1"/>
-              <a:t>PostGre</a:t>
-            </a:r>
-            <a:r>
-              <a:rPr lang="en-US" dirty="0"/>
-              <a:t> SQL database</a:t>
-            </a:r>
-          </a:p>
-          <a:p>
-            <a:pPr lvl="1"/>
-            <a:endParaRPr lang="en-US" dirty="0"/>
-          </a:p>
-        </p:txBody>
-      </p:sp>
-      <p:pic>
-        <p:nvPicPr>
-          <p:cNvPr id="5" name="Picture 4" descr="A screenshot of a social media post&#10;&#10;Description automatically generated">
-            <a:extLst>
-              <a:ext uri="{FF2B5EF4-FFF2-40B4-BE49-F238E27FC236}">
-                <a16:creationId xmlns:a16="http://schemas.microsoft.com/office/drawing/2014/main" id="{7D495DB5-AA72-4745-8A2F-F25908721908}"/>
-              </a:ext>
-            </a:extLst>
-          </p:cNvPr>
-          <p:cNvPicPr>
-            <a:picLocks noChangeAspect="1"/>
-          </p:cNvPicPr>
-          <p:nvPr/>
-        </p:nvPicPr>
-        <p:blipFill>
-          <a:blip r:embed="rId2">
-            <a:extLst>
-              <a:ext uri="{28A0092B-C50C-407E-A947-70E740481C1C}">
-                <a14:useLocalDpi xmlns:a14="http://schemas.microsoft.com/office/drawing/2010/main" val="0"/>
-              </a:ext>
-            </a:extLst>
-          </a:blip>
-          <a:stretch>
-            <a:fillRect/>
-          </a:stretch>
-        </p:blipFill>
-        <p:spPr>
-          <a:xfrm>
-            <a:off x="3356494" y="3222951"/>
-            <a:ext cx="6440649" cy="3538462"/>
-          </a:xfrm>
-          <a:prstGeom prst="rect">
-            <a:avLst/>
-          </a:prstGeom>
-        </p:spPr>
-      </p:pic>
-      <p:sp>
-        <p:nvSpPr>
-          <p:cNvPr id="4" name="TextBox 3">
-            <a:extLst>
-              <a:ext uri="{FF2B5EF4-FFF2-40B4-BE49-F238E27FC236}">
-                <a16:creationId xmlns:a16="http://schemas.microsoft.com/office/drawing/2014/main" id="{52C5F56E-B445-42EE-9EAC-A0FC8C5E52CA}"/>
-              </a:ext>
-            </a:extLst>
-          </p:cNvPr>
-          <p:cNvSpPr txBox="1"/>
-          <p:nvPr/>
-        </p:nvSpPr>
-        <p:spPr>
-          <a:xfrm>
-            <a:off x="10336218" y="6242324"/>
-            <a:ext cx="1852734" cy="369332"/>
-          </a:xfrm>
-          <a:prstGeom prst="rect">
-            <a:avLst/>
-          </a:prstGeom>
-          <a:noFill/>
-        </p:spPr>
-        <p:txBody>
-          <a:bodyPr wrap="square" rtlCol="0">
-            <a:spAutoFit/>
-          </a:bodyPr>
-          <a:lstStyle/>
-          <a:p>
-            <a:r>
-              <a:rPr lang="en-US" dirty="0" err="1"/>
-              <a:t>Sasmita</a:t>
-            </a:r>
-            <a:endParaRPr lang="en-US" dirty="0"/>
-          </a:p>
-        </p:txBody>
-      </p:sp>
-    </p:spTree>
-    <p:extLst>
-      <p:ext uri="{BB962C8B-B14F-4D97-AF65-F5344CB8AC3E}">
-        <p14:creationId xmlns:p14="http://schemas.microsoft.com/office/powerpoint/2010/main" val="44018057"/>
       </p:ext>
     </p:extLst>
   </p:cSld>
